--- a/INSTITUTO POLITÉCNICO NACIONAL.pptx
+++ b/INSTITUTO POLITÉCNICO NACIONAL.pptx
@@ -117,6 +117,11 @@
       </a:defRPr>
     </a:lvl9pPr>
   </p:defaultTextStyle>
+  <p:extLst>
+    <p:ext uri="{EFAFB233-063F-42B5-8137-9DF3F51BA10A}">
+      <p15:sldGuideLst xmlns:p15="http://schemas.microsoft.com/office/powerpoint/2012/main"/>
+    </p:ext>
+  </p:extLst>
 </p:presentation>
 </file>
 
@@ -269,7 +274,7 @@
           <a:p>
             <a:fld id="{3A02FAB3-715B-4700-96CD-5E0B1F22FD83}" type="datetimeFigureOut">
               <a:rPr lang="es-MX" smtClean="0"/>
-              <a:t>15/12/2020</a:t>
+              <a:t>18/12/2020</a:t>
             </a:fld>
             <a:endParaRPr lang="es-MX"/>
           </a:p>
@@ -469,7 +474,7 @@
           <a:p>
             <a:fld id="{3A02FAB3-715B-4700-96CD-5E0B1F22FD83}" type="datetimeFigureOut">
               <a:rPr lang="es-MX" smtClean="0"/>
-              <a:t>15/12/2020</a:t>
+              <a:t>18/12/2020</a:t>
             </a:fld>
             <a:endParaRPr lang="es-MX"/>
           </a:p>
@@ -679,7 +684,7 @@
           <a:p>
             <a:fld id="{3A02FAB3-715B-4700-96CD-5E0B1F22FD83}" type="datetimeFigureOut">
               <a:rPr lang="es-MX" smtClean="0"/>
-              <a:t>15/12/2020</a:t>
+              <a:t>18/12/2020</a:t>
             </a:fld>
             <a:endParaRPr lang="es-MX"/>
           </a:p>
@@ -879,7 +884,7 @@
           <a:p>
             <a:fld id="{3A02FAB3-715B-4700-96CD-5E0B1F22FD83}" type="datetimeFigureOut">
               <a:rPr lang="es-MX" smtClean="0"/>
-              <a:t>15/12/2020</a:t>
+              <a:t>18/12/2020</a:t>
             </a:fld>
             <a:endParaRPr lang="es-MX"/>
           </a:p>
@@ -1155,7 +1160,7 @@
           <a:p>
             <a:fld id="{3A02FAB3-715B-4700-96CD-5E0B1F22FD83}" type="datetimeFigureOut">
               <a:rPr lang="es-MX" smtClean="0"/>
-              <a:t>15/12/2020</a:t>
+              <a:t>18/12/2020</a:t>
             </a:fld>
             <a:endParaRPr lang="es-MX"/>
           </a:p>
@@ -1423,7 +1428,7 @@
           <a:p>
             <a:fld id="{3A02FAB3-715B-4700-96CD-5E0B1F22FD83}" type="datetimeFigureOut">
               <a:rPr lang="es-MX" smtClean="0"/>
-              <a:t>15/12/2020</a:t>
+              <a:t>18/12/2020</a:t>
             </a:fld>
             <a:endParaRPr lang="es-MX"/>
           </a:p>
@@ -1838,7 +1843,7 @@
           <a:p>
             <a:fld id="{3A02FAB3-715B-4700-96CD-5E0B1F22FD83}" type="datetimeFigureOut">
               <a:rPr lang="es-MX" smtClean="0"/>
-              <a:t>15/12/2020</a:t>
+              <a:t>18/12/2020</a:t>
             </a:fld>
             <a:endParaRPr lang="es-MX"/>
           </a:p>
@@ -1980,7 +1985,7 @@
           <a:p>
             <a:fld id="{3A02FAB3-715B-4700-96CD-5E0B1F22FD83}" type="datetimeFigureOut">
               <a:rPr lang="es-MX" smtClean="0"/>
-              <a:t>15/12/2020</a:t>
+              <a:t>18/12/2020</a:t>
             </a:fld>
             <a:endParaRPr lang="es-MX"/>
           </a:p>
@@ -2093,7 +2098,7 @@
           <a:p>
             <a:fld id="{3A02FAB3-715B-4700-96CD-5E0B1F22FD83}" type="datetimeFigureOut">
               <a:rPr lang="es-MX" smtClean="0"/>
-              <a:t>15/12/2020</a:t>
+              <a:t>18/12/2020</a:t>
             </a:fld>
             <a:endParaRPr lang="es-MX"/>
           </a:p>
@@ -2406,7 +2411,7 @@
           <a:p>
             <a:fld id="{3A02FAB3-715B-4700-96CD-5E0B1F22FD83}" type="datetimeFigureOut">
               <a:rPr lang="es-MX" smtClean="0"/>
-              <a:t>15/12/2020</a:t>
+              <a:t>18/12/2020</a:t>
             </a:fld>
             <a:endParaRPr lang="es-MX"/>
           </a:p>
@@ -2695,7 +2700,7 @@
           <a:p>
             <a:fld id="{3A02FAB3-715B-4700-96CD-5E0B1F22FD83}" type="datetimeFigureOut">
               <a:rPr lang="es-MX" smtClean="0"/>
-              <a:t>15/12/2020</a:t>
+              <a:t>18/12/2020</a:t>
             </a:fld>
             <a:endParaRPr lang="es-MX"/>
           </a:p>
@@ -2772,9 +2777,15 @@
 <p:sldMaster xmlns:a="http://schemas.openxmlformats.org/drawingml/2006/main" xmlns:r="http://schemas.openxmlformats.org/officeDocument/2006/relationships" xmlns:p="http://schemas.openxmlformats.org/presentationml/2006/main">
   <p:cSld>
     <p:bg>
-      <p:bgRef idx="1001">
-        <a:schemeClr val="bg1"/>
-      </p:bgRef>
+      <p:bgPr>
+        <a:solidFill>
+          <a:schemeClr val="accent1">
+            <a:lumMod val="40000"/>
+            <a:lumOff val="60000"/>
+          </a:schemeClr>
+        </a:solidFill>
+        <a:effectLst/>
+      </p:bgPr>
     </p:bg>
     <p:spTree>
       <p:nvGrpSpPr>
@@ -2938,7 +2949,7 @@
           <a:p>
             <a:fld id="{3A02FAB3-715B-4700-96CD-5E0B1F22FD83}" type="datetimeFigureOut">
               <a:rPr lang="es-MX" smtClean="0"/>
-              <a:t>15/12/2020</a:t>
+              <a:t>18/12/2020</a:t>
             </a:fld>
             <a:endParaRPr lang="es-MX"/>
           </a:p>
@@ -3770,7 +3781,7 @@
             <p:ph idx="1"/>
             <p:extLst>
               <p:ext uri="{D42A27DB-BD31-4B8C-83A1-F6EECF244321}">
-                <p14:modId xmlns:p14="http://schemas.microsoft.com/office/powerpoint/2010/main" val="589489020"/>
+                <p14:modId xmlns:p14="http://schemas.microsoft.com/office/powerpoint/2010/main" val="167655053"/>
               </p:ext>
             </p:extLst>
           </p:nvPr>
@@ -3809,13 +3820,16 @@
                       <a:r>
                         <a:rPr lang="es-MX" sz="1300" b="1">
                           <a:solidFill>
-                            <a:srgbClr val="000000"/>
+                            <a:srgbClr val="FFC000"/>
                           </a:solidFill>
                           <a:effectLst/>
                         </a:rPr>
                         <a:t>Agentes</a:t>
                       </a:r>
                       <a:endParaRPr lang="es-MX" sz="1300">
+                        <a:solidFill>
+                          <a:srgbClr val="FFC000"/>
+                        </a:solidFill>
                         <a:effectLst/>
                       </a:endParaRPr>
                     </a:p>
@@ -3857,6 +3871,9 @@
                       <a:headEnd type="none" w="med" len="med"/>
                       <a:tailEnd type="none" w="med" len="med"/>
                     </a:lnB>
+                    <a:solidFill>
+                      <a:srgbClr val="002060"/>
+                    </a:solidFill>
                   </a:tcPr>
                 </a:tc>
                 <a:tc>
@@ -3868,13 +3885,16 @@
                       <a:r>
                         <a:rPr lang="es-MX" sz="1300" b="1" dirty="0">
                           <a:solidFill>
-                            <a:srgbClr val="000000"/>
+                            <a:srgbClr val="FFC000"/>
                           </a:solidFill>
                           <a:effectLst/>
                         </a:rPr>
                         <a:t>Funciones</a:t>
                       </a:r>
                       <a:endParaRPr lang="es-MX" sz="1300" dirty="0">
+                        <a:solidFill>
+                          <a:srgbClr val="FFC000"/>
+                        </a:solidFill>
                         <a:effectLst/>
                       </a:endParaRPr>
                     </a:p>
@@ -3916,6 +3936,9 @@
                       <a:headEnd type="none" w="med" len="med"/>
                       <a:tailEnd type="none" w="med" len="med"/>
                     </a:lnB>
+                    <a:solidFill>
+                      <a:srgbClr val="002060"/>
+                    </a:solidFill>
                   </a:tcPr>
                 </a:tc>
                 <a:extLst>
@@ -3933,6 +3956,9 @@
                       <a:pPr algn="l"/>
                       <a:r>
                         <a:rPr lang="es-MX" sz="1300" dirty="0">
+                          <a:solidFill>
+                            <a:srgbClr val="FFFF00"/>
+                          </a:solidFill>
                           <a:effectLst/>
                         </a:rPr>
                         <a:t>Personal Administrativo</a:t>
@@ -3976,6 +4002,9 @@
                       <a:headEnd type="none" w="med" len="med"/>
                       <a:tailEnd type="none" w="med" len="med"/>
                     </a:lnB>
+                    <a:solidFill>
+                      <a:srgbClr val="0070C0"/>
+                    </a:solidFill>
                   </a:tcPr>
                 </a:tc>
                 <a:tc>
@@ -3988,10 +4017,13 @@
                         <a:buChar char="•"/>
                       </a:pPr>
                       <a:r>
-                        <a:rPr lang="es-MX" sz="1300">
+                        <a:rPr lang="es-MX" sz="1300" dirty="0">
+                          <a:solidFill>
+                            <a:srgbClr val="FFFF00"/>
+                          </a:solidFill>
                           <a:effectLst/>
                         </a:rPr>
-                        <a:t>Alta   de un profesor</a:t>
+                        <a:t>Alta de un profesor</a:t>
                       </a:r>
                     </a:p>
                     <a:p>
@@ -4000,10 +4032,13 @@
                         <a:buChar char="•"/>
                       </a:pPr>
                       <a:r>
-                        <a:rPr lang="es-MX" sz="1300">
+                        <a:rPr lang="es-MX" sz="1300" dirty="0">
+                          <a:solidFill>
+                            <a:srgbClr val="FFFF00"/>
+                          </a:solidFill>
                           <a:effectLst/>
                         </a:rPr>
-                        <a:t>Alta   de un alumno</a:t>
+                        <a:t>Alta de un alumno</a:t>
                       </a:r>
                     </a:p>
                     <a:p>
@@ -4012,10 +4047,13 @@
                         <a:buChar char="•"/>
                       </a:pPr>
                       <a:r>
-                        <a:rPr lang="es-MX" sz="1300">
+                        <a:rPr lang="es-MX" sz="1300" dirty="0">
+                          <a:solidFill>
+                            <a:srgbClr val="FFFF00"/>
+                          </a:solidFill>
                           <a:effectLst/>
                         </a:rPr>
-                        <a:t>Actualización   de un contacto</a:t>
+                        <a:t>Actualización de un contacto</a:t>
                       </a:r>
                     </a:p>
                     <a:p>
@@ -4024,10 +4062,13 @@
                         <a:buChar char="•"/>
                       </a:pPr>
                       <a:r>
-                        <a:rPr lang="es-MX" sz="1300">
+                        <a:rPr lang="es-MX" sz="1300" dirty="0">
+                          <a:solidFill>
+                            <a:srgbClr val="FFFF00"/>
+                          </a:solidFill>
                           <a:effectLst/>
                         </a:rPr>
-                        <a:t>Actualización   de una dirección</a:t>
+                        <a:t>Actualización de una dirección</a:t>
                       </a:r>
                     </a:p>
                     <a:p>
@@ -4036,10 +4077,13 @@
                         <a:buChar char="•"/>
                       </a:pPr>
                       <a:r>
-                        <a:rPr lang="es-MX" sz="1300">
+                        <a:rPr lang="es-MX" sz="1300" dirty="0">
+                          <a:solidFill>
+                            <a:srgbClr val="FFFF00"/>
+                          </a:solidFill>
                           <a:effectLst/>
                         </a:rPr>
-                        <a:t>Asignar   un profesor a un curso</a:t>
+                        <a:t>Asignar un profesor a un curso</a:t>
                       </a:r>
                     </a:p>
                   </a:txBody>
@@ -4080,6 +4124,9 @@
                       <a:headEnd type="none" w="med" len="med"/>
                       <a:tailEnd type="none" w="med" len="med"/>
                     </a:lnB>
+                    <a:solidFill>
+                      <a:srgbClr val="0070C0"/>
+                    </a:solidFill>
                   </a:tcPr>
                 </a:tc>
                 <a:extLst>
@@ -4096,7 +4143,10 @@
                     <a:p>
                       <a:pPr algn="l"/>
                       <a:r>
-                        <a:rPr lang="es-MX" sz="1300">
+                        <a:rPr lang="es-MX" sz="1300" dirty="0">
+                          <a:solidFill>
+                            <a:srgbClr val="FFFF00"/>
+                          </a:solidFill>
                           <a:effectLst/>
                         </a:rPr>
                         <a:t>Profesores</a:t>
@@ -4140,6 +4190,9 @@
                       <a:headEnd type="none" w="med" len="med"/>
                       <a:tailEnd type="none" w="med" len="med"/>
                     </a:lnB>
+                    <a:solidFill>
+                      <a:srgbClr val="0070C0"/>
+                    </a:solidFill>
                   </a:tcPr>
                 </a:tc>
                 <a:tc>
@@ -4152,10 +4205,13 @@
                         <a:buChar char="•"/>
                       </a:pPr>
                       <a:r>
-                        <a:rPr lang="es-MX" sz="1300">
+                        <a:rPr lang="es-MX" sz="1300" dirty="0">
+                          <a:solidFill>
+                            <a:srgbClr val="FFFF00"/>
+                          </a:solidFill>
                           <a:effectLst/>
                         </a:rPr>
-                        <a:t>Obtener   lista de cursos disponibles</a:t>
+                        <a:t>Obtener lista de cursos disponibles</a:t>
                       </a:r>
                     </a:p>
                     <a:p>
@@ -4164,10 +4220,13 @@
                         <a:buChar char="•"/>
                       </a:pPr>
                       <a:r>
-                        <a:rPr lang="es-MX" sz="1300">
+                        <a:rPr lang="es-MX" sz="1300" dirty="0">
+                          <a:solidFill>
+                            <a:srgbClr val="FFFF00"/>
+                          </a:solidFill>
                           <a:effectLst/>
                         </a:rPr>
-                        <a:t>Consultar   información sobre un curso disponible</a:t>
+                        <a:t>Consultar información sobre un curso disponible</a:t>
                       </a:r>
                     </a:p>
                     <a:p>
@@ -4176,10 +4235,13 @@
                         <a:buChar char="•"/>
                       </a:pPr>
                       <a:r>
-                        <a:rPr lang="es-MX" sz="1300">
+                        <a:rPr lang="es-MX" sz="1300" dirty="0">
+                          <a:solidFill>
+                            <a:srgbClr val="FFFF00"/>
+                          </a:solidFill>
                           <a:effectLst/>
                         </a:rPr>
-                        <a:t>Inscribir   alumno a un curso</a:t>
+                        <a:t>Inscribir alumno a un curso</a:t>
                       </a:r>
                     </a:p>
                     <a:p>
@@ -4188,10 +4250,13 @@
                         <a:buChar char="•"/>
                       </a:pPr>
                       <a:r>
-                        <a:rPr lang="es-MX" sz="1300">
+                        <a:rPr lang="es-MX" sz="1300" dirty="0">
+                          <a:solidFill>
+                            <a:srgbClr val="FFFF00"/>
+                          </a:solidFill>
                           <a:effectLst/>
                         </a:rPr>
-                        <a:t>Remover   alumnos inscritos a un curso</a:t>
+                        <a:t>Remover alumnos inscritos a un curso</a:t>
                       </a:r>
                     </a:p>
                     <a:p>
@@ -4200,10 +4265,13 @@
                         <a:buChar char="•"/>
                       </a:pPr>
                       <a:r>
-                        <a:rPr lang="es-MX" sz="1300">
+                        <a:rPr lang="es-MX" sz="1300" dirty="0">
+                          <a:solidFill>
+                            <a:srgbClr val="FFFF00"/>
+                          </a:solidFill>
                           <a:effectLst/>
                         </a:rPr>
-                        <a:t>Actualizar   el programa de un curso</a:t>
+                        <a:t>Actualizar el programa de un curso</a:t>
                       </a:r>
                     </a:p>
                   </a:txBody>
@@ -4244,6 +4312,9 @@
                       <a:headEnd type="none" w="med" len="med"/>
                       <a:tailEnd type="none" w="med" len="med"/>
                     </a:lnB>
+                    <a:solidFill>
+                      <a:srgbClr val="0070C0"/>
+                    </a:solidFill>
                   </a:tcPr>
                 </a:tc>
                 <a:extLst>
@@ -4261,6 +4332,9 @@
                       <a:pPr algn="l"/>
                       <a:r>
                         <a:rPr lang="es-MX" sz="1300">
+                          <a:solidFill>
+                            <a:srgbClr val="FFFF00"/>
+                          </a:solidFill>
                           <a:effectLst/>
                         </a:rPr>
                         <a:t>Estudiantes</a:t>
@@ -4304,6 +4378,9 @@
                       <a:headEnd type="none" w="med" len="med"/>
                       <a:tailEnd type="none" w="med" len="med"/>
                     </a:lnB>
+                    <a:solidFill>
+                      <a:srgbClr val="0070C0"/>
+                    </a:solidFill>
                   </a:tcPr>
                 </a:tc>
                 <a:tc>
@@ -4317,9 +4394,12 @@
                       </a:pPr>
                       <a:r>
                         <a:rPr lang="es-MX" sz="1300" dirty="0">
+                          <a:solidFill>
+                            <a:srgbClr val="FFFF00"/>
+                          </a:solidFill>
                           <a:effectLst/>
                         </a:rPr>
-                        <a:t>Obtener   lista de cursos disponibles</a:t>
+                        <a:t>Obtener lista de cursos disponibles</a:t>
                       </a:r>
                     </a:p>
                     <a:p>
@@ -4329,9 +4409,12 @@
                       </a:pPr>
                       <a:r>
                         <a:rPr lang="es-MX" sz="1300" dirty="0">
+                          <a:solidFill>
+                            <a:srgbClr val="FFFF00"/>
+                          </a:solidFill>
                           <a:effectLst/>
                         </a:rPr>
-                        <a:t>Consultar   información sobre un curso disponible</a:t>
+                        <a:t>Consultar información sobre un curso disponible</a:t>
                       </a:r>
                     </a:p>
                     <a:p>
@@ -4341,9 +4424,12 @@
                       </a:pPr>
                       <a:r>
                         <a:rPr lang="es-MX" sz="1300" dirty="0">
+                          <a:solidFill>
+                            <a:srgbClr val="FFFF00"/>
+                          </a:solidFill>
                           <a:effectLst/>
                         </a:rPr>
-                        <a:t>Inscribirse   a un curso</a:t>
+                        <a:t>Inscribirse a un curso</a:t>
                       </a:r>
                     </a:p>
                   </a:txBody>
@@ -4384,6 +4470,9 @@
                       <a:headEnd type="none" w="med" len="med"/>
                       <a:tailEnd type="none" w="med" len="med"/>
                     </a:lnB>
+                    <a:solidFill>
+                      <a:srgbClr val="0070C0"/>
+                    </a:solidFill>
                   </a:tcPr>
                 </a:tc>
                 <a:extLst>
@@ -4412,14 +4501,6 @@
 <file path=ppt/slides/slide11.xml><?xml version="1.0" encoding="utf-8"?>
 <p:sld xmlns:a="http://schemas.openxmlformats.org/drawingml/2006/main" xmlns:r="http://schemas.openxmlformats.org/officeDocument/2006/relationships" xmlns:p="http://schemas.openxmlformats.org/presentationml/2006/main">
   <p:cSld>
-    <p:bg>
-      <p:bgPr>
-        <a:solidFill>
-          <a:schemeClr val="bg1"/>
-        </a:solidFill>
-        <a:effectLst/>
-      </p:bgPr>
-    </p:bg>
     <p:spTree>
       <p:nvGrpSpPr>
         <p:cNvPr id="1" name=""/>
@@ -4547,8 +4628,11 @@
         <p:spPr>
           <a:xfrm>
             <a:off x="524256" y="491260"/>
-            <a:ext cx="6594189" cy="1625210"/>
+            <a:ext cx="6594189" cy="1518515"/>
           </a:xfrm>
+          <a:solidFill>
+            <a:srgbClr val="0070C0"/>
+          </a:solidFill>
         </p:spPr>
         <p:txBody>
           <a:bodyPr>
@@ -4557,17 +4641,14 @@
           <a:lstStyle/>
           <a:p>
             <a:r>
-              <a:rPr lang="es-MX" sz="4100" b="1">
-                <a:solidFill>
-                  <a:srgbClr val="FFFFFF"/>
-                </a:solidFill>
+              <a:rPr lang="es-MX" sz="4100" b="1" dirty="0">
                 <a:latin typeface="Arial" panose="020B0604020202020204" pitchFamily="34" charset="0"/>
                 <a:cs typeface="Arial" panose="020B0604020202020204" pitchFamily="34" charset="0"/>
               </a:rPr>
               <a:t>ETRUCTURAS DE DATOS</a:t>
             </a:r>
             <a:br>
-              <a:rPr lang="es-MX" sz="4100">
+              <a:rPr lang="es-MX" sz="4100" dirty="0">
                 <a:solidFill>
                   <a:srgbClr val="FFFFFF"/>
                 </a:solidFill>
@@ -4575,7 +4656,7 @@
                 <a:cs typeface="Arial" panose="020B0604020202020204" pitchFamily="34" charset="0"/>
               </a:rPr>
             </a:br>
-            <a:endParaRPr lang="es-MX" sz="4100">
+            <a:endParaRPr lang="es-MX" sz="4100" dirty="0">
               <a:solidFill>
                 <a:srgbClr val="FFFFFF"/>
               </a:solidFill>
@@ -4698,6 +4779,9 @@
             <a:off x="8029319" y="917725"/>
             <a:ext cx="3424739" cy="4852362"/>
           </a:xfrm>
+          <a:solidFill>
+            <a:srgbClr val="0070C0"/>
+          </a:solidFill>
         </p:spPr>
         <p:txBody>
           <a:bodyPr anchor="ctr">
@@ -4709,9 +4793,9 @@
               <a:buNone/>
             </a:pPr>
             <a:r>
-              <a:rPr lang="es-MX" sz="2000">
+              <a:rPr lang="es-MX" sz="2000" dirty="0">
                 <a:solidFill>
-                  <a:srgbClr val="FFFFFF"/>
+                  <a:srgbClr val="FFFF00"/>
                 </a:solidFill>
                 <a:effectLst/>
                 <a:latin typeface="Arial" panose="020B0604020202020204" pitchFamily="34" charset="0"/>
@@ -4719,16 +4803,16 @@
               </a:rPr>
               <a:t>Esta es la información de los usuarios que abarca el proyecto, en donde se pueden hacer generalizaciones o especialidades de datos u objetos. Esto permite a nivel de desarrollo la reutilización de estructuras de datos que están relacionadas y al mismo tiempo son independientes, en base a esta estructura se desarrolló la estructura de la base de datos.</a:t>
             </a:r>
-            <a:endParaRPr lang="es-MX" sz="2000">
+            <a:endParaRPr lang="es-MX" sz="2000" dirty="0">
               <a:solidFill>
-                <a:srgbClr val="FFFFFF"/>
+                <a:srgbClr val="FFFF00"/>
               </a:solidFill>
               <a:latin typeface="Arial" panose="020B0604020202020204" pitchFamily="34" charset="0"/>
               <a:cs typeface="Arial" panose="020B0604020202020204" pitchFamily="34" charset="0"/>
             </a:endParaRPr>
           </a:p>
           <a:p>
-            <a:endParaRPr lang="es-MX" sz="2000">
+            <a:endParaRPr lang="es-MX" sz="2000" dirty="0">
               <a:solidFill>
                 <a:srgbClr val="FFFFFF"/>
               </a:solidFill>
@@ -4914,14 +4998,14 @@
           <p:nvPr>
             <p:extLst>
               <p:ext uri="{D42A27DB-BD31-4B8C-83A1-F6EECF244321}">
-                <p14:modId xmlns:p14="http://schemas.microsoft.com/office/powerpoint/2010/main" val="2016245176"/>
+                <p14:modId xmlns:p14="http://schemas.microsoft.com/office/powerpoint/2010/main" val="2949356767"/>
               </p:ext>
             </p:extLst>
           </p:nvPr>
         </p:nvGraphicFramePr>
         <p:xfrm>
-          <a:off x="3369646" y="3284917"/>
-          <a:ext cx="7318992" cy="2805752"/>
+          <a:off x="3360121" y="3263573"/>
+          <a:ext cx="7318992" cy="3259782"/>
         </p:xfrm>
         <a:graphic>
           <a:graphicData uri="http://schemas.openxmlformats.org/drawingml/2006/table">
@@ -4957,23 +5041,30 @@
                   </a:extLst>
                 </a:gridCol>
               </a:tblGrid>
-              <a:tr h="172734">
+              <a:tr h="0">
                 <a:tc>
                   <a:txBody>
                     <a:bodyPr/>
                     <a:lstStyle/>
                     <a:p>
                       <a:r>
-                        <a:rPr lang="es-MX" sz="900" b="1" dirty="0">
+                        <a:rPr lang="es-MX" sz="1100" b="1" dirty="0">
                           <a:solidFill>
-                            <a:srgbClr val="000000"/>
+                            <a:srgbClr val="FFC000"/>
                           </a:solidFill>
                           <a:effectLst/>
+                          <a:latin typeface="Arial" panose="020B0604020202020204" pitchFamily="34" charset="0"/>
+                          <a:cs typeface="Arial" panose="020B0604020202020204" pitchFamily="34" charset="0"/>
                         </a:rPr>
                         <a:t>Atributo</a:t>
                       </a:r>
-                      <a:endParaRPr lang="es-MX" sz="900" dirty="0">
+                      <a:endParaRPr lang="es-MX" sz="1100" dirty="0">
+                        <a:solidFill>
+                          <a:srgbClr val="FFC000"/>
+                        </a:solidFill>
                         <a:effectLst/>
+                        <a:latin typeface="Arial" panose="020B0604020202020204" pitchFamily="34" charset="0"/>
+                        <a:cs typeface="Arial" panose="020B0604020202020204" pitchFamily="34" charset="0"/>
                       </a:endParaRPr>
                     </a:p>
                   </a:txBody>
@@ -5014,6 +5105,11 @@
                       <a:headEnd type="none" w="med" len="med"/>
                       <a:tailEnd type="none" w="med" len="med"/>
                     </a:lnB>
+                    <a:solidFill>
+                      <a:schemeClr val="accent1">
+                        <a:lumMod val="50000"/>
+                      </a:schemeClr>
+                    </a:solidFill>
                   </a:tcPr>
                 </a:tc>
                 <a:tc>
@@ -5022,16 +5118,23 @@
                     <a:lstStyle/>
                     <a:p>
                       <a:r>
-                        <a:rPr lang="es-MX" sz="900" b="1" dirty="0">
+                        <a:rPr lang="es-MX" sz="1100" b="1" dirty="0">
                           <a:solidFill>
-                            <a:srgbClr val="000000"/>
+                            <a:srgbClr val="FFC000"/>
                           </a:solidFill>
                           <a:effectLst/>
+                          <a:latin typeface="Arial" panose="020B0604020202020204" pitchFamily="34" charset="0"/>
+                          <a:cs typeface="Arial" panose="020B0604020202020204" pitchFamily="34" charset="0"/>
                         </a:rPr>
                         <a:t>Tipo</a:t>
                       </a:r>
-                      <a:endParaRPr lang="es-MX" sz="900" dirty="0">
+                      <a:endParaRPr lang="es-MX" sz="1100" dirty="0">
+                        <a:solidFill>
+                          <a:srgbClr val="FFC000"/>
+                        </a:solidFill>
                         <a:effectLst/>
+                        <a:latin typeface="Arial" panose="020B0604020202020204" pitchFamily="34" charset="0"/>
+                        <a:cs typeface="Arial" panose="020B0604020202020204" pitchFamily="34" charset="0"/>
                       </a:endParaRPr>
                     </a:p>
                   </a:txBody>
@@ -5072,6 +5175,11 @@
                       <a:headEnd type="none" w="med" len="med"/>
                       <a:tailEnd type="none" w="med" len="med"/>
                     </a:lnB>
+                    <a:solidFill>
+                      <a:schemeClr val="accent1">
+                        <a:lumMod val="50000"/>
+                      </a:schemeClr>
+                    </a:solidFill>
                   </a:tcPr>
                 </a:tc>
                 <a:tc>
@@ -5080,16 +5188,23 @@
                     <a:lstStyle/>
                     <a:p>
                       <a:r>
-                        <a:rPr lang="es-MX" sz="900" b="1">
+                        <a:rPr lang="es-MX" sz="1100" b="1" dirty="0">
                           <a:solidFill>
-                            <a:srgbClr val="000000"/>
+                            <a:srgbClr val="FFC000"/>
                           </a:solidFill>
                           <a:effectLst/>
+                          <a:latin typeface="Arial" panose="020B0604020202020204" pitchFamily="34" charset="0"/>
+                          <a:cs typeface="Arial" panose="020B0604020202020204" pitchFamily="34" charset="0"/>
                         </a:rPr>
                         <a:t>Requerido</a:t>
                       </a:r>
-                      <a:endParaRPr lang="es-MX" sz="900">
+                      <a:endParaRPr lang="es-MX" sz="1100" dirty="0">
+                        <a:solidFill>
+                          <a:srgbClr val="FFC000"/>
+                        </a:solidFill>
                         <a:effectLst/>
+                        <a:latin typeface="Arial" panose="020B0604020202020204" pitchFamily="34" charset="0"/>
+                        <a:cs typeface="Arial" panose="020B0604020202020204" pitchFamily="34" charset="0"/>
                       </a:endParaRPr>
                     </a:p>
                   </a:txBody>
@@ -5130,6 +5245,11 @@
                       <a:headEnd type="none" w="med" len="med"/>
                       <a:tailEnd type="none" w="med" len="med"/>
                     </a:lnB>
+                    <a:solidFill>
+                      <a:schemeClr val="accent1">
+                        <a:lumMod val="50000"/>
+                      </a:schemeClr>
+                    </a:solidFill>
                   </a:tcPr>
                 </a:tc>
                 <a:tc>
@@ -5138,16 +5258,23 @@
                     <a:lstStyle/>
                     <a:p>
                       <a:r>
-                        <a:rPr lang="es-MX" sz="900" b="1" dirty="0">
+                        <a:rPr lang="es-MX" sz="1100" b="1" dirty="0">
                           <a:solidFill>
-                            <a:srgbClr val="000000"/>
+                            <a:srgbClr val="FFC000"/>
                           </a:solidFill>
                           <a:effectLst/>
+                          <a:latin typeface="Arial" panose="020B0604020202020204" pitchFamily="34" charset="0"/>
+                          <a:cs typeface="Arial" panose="020B0604020202020204" pitchFamily="34" charset="0"/>
                         </a:rPr>
                         <a:t>Nota</a:t>
                       </a:r>
-                      <a:endParaRPr lang="es-MX" sz="900" dirty="0">
+                      <a:endParaRPr lang="es-MX" sz="1100" dirty="0">
+                        <a:solidFill>
+                          <a:srgbClr val="FFC000"/>
+                        </a:solidFill>
                         <a:effectLst/>
+                        <a:latin typeface="Arial" panose="020B0604020202020204" pitchFamily="34" charset="0"/>
+                        <a:cs typeface="Arial" panose="020B0604020202020204" pitchFamily="34" charset="0"/>
                       </a:endParaRPr>
                     </a:p>
                   </a:txBody>
@@ -5188,6 +5315,11 @@
                       <a:headEnd type="none" w="med" len="med"/>
                       <a:tailEnd type="none" w="med" len="med"/>
                     </a:lnB>
+                    <a:solidFill>
+                      <a:schemeClr val="accent1">
+                        <a:lumMod val="50000"/>
+                      </a:schemeClr>
+                    </a:solidFill>
                   </a:tcPr>
                 </a:tc>
                 <a:extLst>
@@ -5203,16 +5335,83 @@
                     <a:lstStyle/>
                     <a:p>
                       <a:r>
-                        <a:rPr lang="es-MX" sz="900" dirty="0">
+                        <a:rPr lang="es-MX" sz="1100" dirty="0">
                           <a:solidFill>
-                            <a:srgbClr val="000000"/>
+                            <a:srgbClr val="FFFF00"/>
                           </a:solidFill>
                           <a:effectLst/>
+                          <a:latin typeface="Arial" panose="020B0604020202020204" pitchFamily="34" charset="0"/>
+                          <a:cs typeface="Arial" panose="020B0604020202020204" pitchFamily="34" charset="0"/>
                         </a:rPr>
                         <a:t>Matricula</a:t>
                       </a:r>
-                      <a:endParaRPr lang="es-MX" sz="900" dirty="0">
+                    </a:p>
+                  </a:txBody>
+                  <a:tcPr marL="40377" marR="40377" marT="40377" marB="40377" anchor="ctr">
+                    <a:lnL w="7620" cap="flat" cmpd="sng" algn="ctr">
+                      <a:solidFill>
+                        <a:srgbClr val="CCCCCC"/>
+                      </a:solidFill>
+                      <a:prstDash val="solid"/>
+                      <a:round/>
+                      <a:headEnd type="none" w="med" len="med"/>
+                      <a:tailEnd type="none" w="med" len="med"/>
+                    </a:lnL>
+                    <a:lnR w="7620" cap="flat" cmpd="sng" algn="ctr">
+                      <a:solidFill>
+                        <a:srgbClr val="CCCCCC"/>
+                      </a:solidFill>
+                      <a:prstDash val="solid"/>
+                      <a:round/>
+                      <a:headEnd type="none" w="med" len="med"/>
+                      <a:tailEnd type="none" w="med" len="med"/>
+                    </a:lnR>
+                    <a:lnT w="7620" cap="flat" cmpd="sng" algn="ctr">
+                      <a:solidFill>
+                        <a:srgbClr val="CCCCCC"/>
+                      </a:solidFill>
+                      <a:prstDash val="solid"/>
+                      <a:round/>
+                      <a:headEnd type="none" w="med" len="med"/>
+                      <a:tailEnd type="none" w="med" len="med"/>
+                    </a:lnT>
+                    <a:lnB w="7620" cap="flat" cmpd="sng" algn="ctr">
+                      <a:solidFill>
+                        <a:srgbClr val="CCCCCC"/>
+                      </a:solidFill>
+                      <a:prstDash val="solid"/>
+                      <a:round/>
+                      <a:headEnd type="none" w="med" len="med"/>
+                      <a:tailEnd type="none" w="med" len="med"/>
+                    </a:lnB>
+                    <a:solidFill>
+                      <a:srgbClr val="0070C0"/>
+                    </a:solidFill>
+                  </a:tcPr>
+                </a:tc>
+                <a:tc>
+                  <a:txBody>
+                    <a:bodyPr/>
+                    <a:lstStyle/>
+                    <a:p>
+                      <a:r>
+                        <a:rPr lang="es-MX" sz="1100" dirty="0" err="1">
+                          <a:solidFill>
+                            <a:srgbClr val="FFFF00"/>
+                          </a:solidFill>
+                          <a:effectLst/>
+                          <a:latin typeface="Arial" panose="020B0604020202020204" pitchFamily="34" charset="0"/>
+                          <a:cs typeface="Arial" panose="020B0604020202020204" pitchFamily="34" charset="0"/>
+                        </a:rPr>
+                        <a:t>String</a:t>
+                      </a:r>
+                      <a:endParaRPr lang="es-MX" sz="1100" dirty="0">
+                        <a:solidFill>
+                          <a:srgbClr val="FFFF00"/>
+                        </a:solidFill>
                         <a:effectLst/>
+                        <a:latin typeface="Arial" panose="020B0604020202020204" pitchFamily="34" charset="0"/>
+                        <a:cs typeface="Arial" panose="020B0604020202020204" pitchFamily="34" charset="0"/>
                       </a:endParaRPr>
                     </a:p>
                   </a:txBody>
@@ -5253,6 +5452,9 @@
                       <a:headEnd type="none" w="med" len="med"/>
                       <a:tailEnd type="none" w="med" len="med"/>
                     </a:lnB>
+                    <a:solidFill>
+                      <a:srgbClr val="0070C0"/>
+                    </a:solidFill>
                   </a:tcPr>
                 </a:tc>
                 <a:tc>
@@ -5261,17 +5463,16 @@
                     <a:lstStyle/>
                     <a:p>
                       <a:r>
-                        <a:rPr lang="es-MX" sz="900">
+                        <a:rPr lang="es-MX" sz="1100" dirty="0">
                           <a:solidFill>
-                            <a:srgbClr val="000000"/>
+                            <a:srgbClr val="FFFF00"/>
                           </a:solidFill>
                           <a:effectLst/>
+                          <a:latin typeface="Arial" panose="020B0604020202020204" pitchFamily="34" charset="0"/>
+                          <a:cs typeface="Arial" panose="020B0604020202020204" pitchFamily="34" charset="0"/>
                         </a:rPr>
-                        <a:t>String</a:t>
+                        <a:t>Sí </a:t>
                       </a:r>
-                      <a:endParaRPr lang="es-MX" sz="900">
-                        <a:effectLst/>
-                      </a:endParaRPr>
                     </a:p>
                   </a:txBody>
                   <a:tcPr marL="40377" marR="40377" marT="40377" marB="40377" anchor="ctr">
@@ -5311,6 +5512,9 @@
                       <a:headEnd type="none" w="med" len="med"/>
                       <a:tailEnd type="none" w="med" len="med"/>
                     </a:lnB>
+                    <a:solidFill>
+                      <a:srgbClr val="0070C0"/>
+                    </a:solidFill>
                   </a:tcPr>
                 </a:tc>
                 <a:tc>
@@ -5319,17 +5523,68 @@
                     <a:lstStyle/>
                     <a:p>
                       <a:r>
-                        <a:rPr lang="es-MX" sz="900">
+                        <a:rPr lang="es-MX" sz="1100" dirty="0">
                           <a:solidFill>
-                            <a:srgbClr val="000000"/>
+                            <a:srgbClr val="FFFF00"/>
                           </a:solidFill>
                           <a:effectLst/>
+                          <a:latin typeface="Arial" panose="020B0604020202020204" pitchFamily="34" charset="0"/>
+                          <a:cs typeface="Arial" panose="020B0604020202020204" pitchFamily="34" charset="0"/>
                         </a:rPr>
-                        <a:t>Sí </a:t>
+                        <a:t>La matrícula de un alumno está compuesta de la   siguiente manera:</a:t>
                       </a:r>
-                      <a:endParaRPr lang="es-MX" sz="900">
-                        <a:effectLst/>
-                      </a:endParaRPr>
+                    </a:p>
+                    <a:p>
+                      <a:r>
+                        <a:rPr lang="es-MX" sz="1100" dirty="0">
+                          <a:solidFill>
+                            <a:srgbClr val="FFFF00"/>
+                          </a:solidFill>
+                          <a:effectLst/>
+                          <a:latin typeface="Arial" panose="020B0604020202020204" pitchFamily="34" charset="0"/>
+                          <a:cs typeface="Arial" panose="020B0604020202020204" pitchFamily="34" charset="0"/>
+                        </a:rPr>
+                        <a:t>99999999-XXXXXX-XX99</a:t>
+                      </a:r>
+                    </a:p>
+                    <a:p>
+                      <a:r>
+                        <a:rPr lang="es-MX" sz="1100" dirty="0">
+                          <a:solidFill>
+                            <a:srgbClr val="FFFF00"/>
+                          </a:solidFill>
+                          <a:effectLst/>
+                          <a:latin typeface="Arial" panose="020B0604020202020204" pitchFamily="34" charset="0"/>
+                          <a:cs typeface="Arial" panose="020B0604020202020204" pitchFamily="34" charset="0"/>
+                        </a:rPr>
+                        <a:t>Donde:</a:t>
+                      </a:r>
+                    </a:p>
+                    <a:p>
+                      <a:r>
+                        <a:rPr lang="es-MX" sz="1100" dirty="0">
+                          <a:solidFill>
+                            <a:srgbClr val="FFFF00"/>
+                          </a:solidFill>
+                          <a:effectLst/>
+                          <a:latin typeface="Arial" panose="020B0604020202020204" pitchFamily="34" charset="0"/>
+                          <a:cs typeface="Arial" panose="020B0604020202020204" pitchFamily="34" charset="0"/>
+                        </a:rPr>
+                        <a:t>X representa una letra</a:t>
+                      </a:r>
+                    </a:p>
+                    <a:p>
+                      <a:r>
+                        <a:rPr lang="es-MX" sz="1100" dirty="0">
+                          <a:solidFill>
+                            <a:srgbClr val="FFFF00"/>
+                          </a:solidFill>
+                          <a:effectLst/>
+                          <a:latin typeface="Arial" panose="020B0604020202020204" pitchFamily="34" charset="0"/>
+                          <a:cs typeface="Arial" panose="020B0604020202020204" pitchFamily="34" charset="0"/>
+                        </a:rPr>
+                        <a:t>9 representa un dígito</a:t>
+                      </a:r>
                     </a:p>
                   </a:txBody>
                   <a:tcPr marL="40377" marR="40377" marT="40377" marB="40377" anchor="ctr">
@@ -5369,81 +5624,34 @@
                       <a:headEnd type="none" w="med" len="med"/>
                       <a:tailEnd type="none" w="med" len="med"/>
                     </a:lnB>
+                    <a:solidFill>
+                      <a:srgbClr val="0070C0"/>
+                    </a:solidFill>
                   </a:tcPr>
                 </a:tc>
+                <a:extLst>
+                  <a:ext uri="{0D108BD9-81ED-4DB2-BD59-A6C34878D82A}">
+                    <a16:rowId xmlns:a16="http://schemas.microsoft.com/office/drawing/2014/main" val="2898190639"/>
+                  </a:ext>
+                </a:extLst>
+              </a:tr>
+              <a:tr h="0">
                 <a:tc>
                   <a:txBody>
                     <a:bodyPr/>
                     <a:lstStyle/>
                     <a:p>
                       <a:r>
-                        <a:rPr lang="es-MX" sz="900">
+                        <a:rPr lang="es-MX" sz="1100">
                           <a:solidFill>
-                            <a:srgbClr val="000000"/>
+                            <a:srgbClr val="FFFF00"/>
                           </a:solidFill>
                           <a:effectLst/>
+                          <a:latin typeface="Arial" panose="020B0604020202020204" pitchFamily="34" charset="0"/>
+                          <a:cs typeface="Arial" panose="020B0604020202020204" pitchFamily="34" charset="0"/>
                         </a:rPr>
-                        <a:t>La matrícula de un alumno está compuesta de la   siguiente manera:</a:t>
+                        <a:t>Carrera</a:t>
                       </a:r>
-                      <a:endParaRPr lang="es-MX" sz="900">
-                        <a:effectLst/>
-                      </a:endParaRPr>
-                    </a:p>
-                    <a:p>
-                      <a:r>
-                        <a:rPr lang="es-MX" sz="900">
-                          <a:solidFill>
-                            <a:srgbClr val="000000"/>
-                          </a:solidFill>
-                          <a:effectLst/>
-                        </a:rPr>
-                        <a:t>99999999-XXXXXX-XX99</a:t>
-                      </a:r>
-                      <a:endParaRPr lang="es-MX" sz="900">
-                        <a:effectLst/>
-                      </a:endParaRPr>
-                    </a:p>
-                    <a:p>
-                      <a:r>
-                        <a:rPr lang="es-MX" sz="900">
-                          <a:solidFill>
-                            <a:srgbClr val="000000"/>
-                          </a:solidFill>
-                          <a:effectLst/>
-                        </a:rPr>
-                        <a:t>Donde:</a:t>
-                      </a:r>
-                      <a:endParaRPr lang="es-MX" sz="900">
-                        <a:effectLst/>
-                      </a:endParaRPr>
-                    </a:p>
-                    <a:p>
-                      <a:r>
-                        <a:rPr lang="es-MX" sz="900">
-                          <a:solidFill>
-                            <a:srgbClr val="000000"/>
-                          </a:solidFill>
-                          <a:effectLst/>
-                        </a:rPr>
-                        <a:t>X representa una letra</a:t>
-                      </a:r>
-                      <a:endParaRPr lang="es-MX" sz="900">
-                        <a:effectLst/>
-                      </a:endParaRPr>
-                    </a:p>
-                    <a:p>
-                      <a:r>
-                        <a:rPr lang="es-MX" sz="900">
-                          <a:solidFill>
-                            <a:srgbClr val="000000"/>
-                          </a:solidFill>
-                          <a:effectLst/>
-                        </a:rPr>
-                        <a:t>9 representa un dígito</a:t>
-                      </a:r>
-                      <a:endParaRPr lang="es-MX" sz="900">
-                        <a:effectLst/>
-                      </a:endParaRPr>
                     </a:p>
                   </a:txBody>
                   <a:tcPr marL="40377" marR="40377" marT="40377" marB="40377" anchor="ctr">
@@ -5483,32 +5691,27 @@
                       <a:headEnd type="none" w="med" len="med"/>
                       <a:tailEnd type="none" w="med" len="med"/>
                     </a:lnB>
+                    <a:solidFill>
+                      <a:srgbClr val="0070C0"/>
+                    </a:solidFill>
                   </a:tcPr>
                 </a:tc>
-                <a:extLst>
-                  <a:ext uri="{0D108BD9-81ED-4DB2-BD59-A6C34878D82A}">
-                    <a16:rowId xmlns:a16="http://schemas.microsoft.com/office/drawing/2014/main" val="2898190639"/>
-                  </a:ext>
-                </a:extLst>
-              </a:tr>
-              <a:tr h="1369515">
                 <a:tc>
                   <a:txBody>
                     <a:bodyPr/>
                     <a:lstStyle/>
                     <a:p>
                       <a:r>
-                        <a:rPr lang="es-MX" sz="900">
+                        <a:rPr lang="es-MX" sz="1100">
                           <a:solidFill>
-                            <a:srgbClr val="000000"/>
+                            <a:srgbClr val="FFFF00"/>
                           </a:solidFill>
                           <a:effectLst/>
+                          <a:latin typeface="Arial" panose="020B0604020202020204" pitchFamily="34" charset="0"/>
+                          <a:cs typeface="Arial" panose="020B0604020202020204" pitchFamily="34" charset="0"/>
                         </a:rPr>
-                        <a:t>Carrera</a:t>
+                        <a:t>String</a:t>
                       </a:r>
-                      <a:endParaRPr lang="es-MX" sz="900">
-                        <a:effectLst/>
-                      </a:endParaRPr>
                     </a:p>
                   </a:txBody>
                   <a:tcPr marL="40377" marR="40377" marT="40377" marB="40377" anchor="ctr">
@@ -5548,6 +5751,9 @@
                       <a:headEnd type="none" w="med" len="med"/>
                       <a:tailEnd type="none" w="med" len="med"/>
                     </a:lnB>
+                    <a:solidFill>
+                      <a:srgbClr val="0070C0"/>
+                    </a:solidFill>
                   </a:tcPr>
                 </a:tc>
                 <a:tc>
@@ -5556,17 +5762,16 @@
                     <a:lstStyle/>
                     <a:p>
                       <a:r>
-                        <a:rPr lang="es-MX" sz="900">
+                        <a:rPr lang="es-MX" sz="1100">
                           <a:solidFill>
-                            <a:srgbClr val="000000"/>
+                            <a:srgbClr val="FFFF00"/>
                           </a:solidFill>
                           <a:effectLst/>
+                          <a:latin typeface="Arial" panose="020B0604020202020204" pitchFamily="34" charset="0"/>
+                          <a:cs typeface="Arial" panose="020B0604020202020204" pitchFamily="34" charset="0"/>
                         </a:rPr>
-                        <a:t>String</a:t>
+                        <a:t>Si</a:t>
                       </a:r>
-                      <a:endParaRPr lang="es-MX" sz="900">
-                        <a:effectLst/>
-                      </a:endParaRPr>
                     </a:p>
                   </a:txBody>
                   <a:tcPr marL="40377" marR="40377" marT="40377" marB="40377" anchor="ctr">
@@ -5606,6 +5811,9 @@
                       <a:headEnd type="none" w="med" len="med"/>
                       <a:tailEnd type="none" w="med" len="med"/>
                     </a:lnB>
+                    <a:solidFill>
+                      <a:srgbClr val="0070C0"/>
+                    </a:solidFill>
                   </a:tcPr>
                 </a:tc>
                 <a:tc>
@@ -5614,17 +5822,152 @@
                     <a:lstStyle/>
                     <a:p>
                       <a:r>
-                        <a:rPr lang="es-MX" sz="900">
+                        <a:rPr lang="es-MX" sz="1100" dirty="0">
                           <a:solidFill>
-                            <a:srgbClr val="000000"/>
+                            <a:srgbClr val="FFFF00"/>
                           </a:solidFill>
                           <a:effectLst/>
+                          <a:latin typeface="Arial" panose="020B0604020202020204" pitchFamily="34" charset="0"/>
+                          <a:cs typeface="Arial" panose="020B0604020202020204" pitchFamily="34" charset="0"/>
                         </a:rPr>
-                        <a:t>Si</a:t>
+                        <a:t>La institución ofrece las siguientes carreras:</a:t>
                       </a:r>
-                      <a:endParaRPr lang="es-MX" sz="900">
-                        <a:effectLst/>
-                      </a:endParaRPr>
+                    </a:p>
+                    <a:p>
+                      <a:pPr>
+                        <a:buFont typeface="Arial" panose="020B0604020202020204" pitchFamily="34" charset="0"/>
+                        <a:buChar char="•"/>
+                      </a:pPr>
+                      <a:r>
+                        <a:rPr lang="es-MX" sz="1100" dirty="0">
+                          <a:solidFill>
+                            <a:srgbClr val="FFFF00"/>
+                          </a:solidFill>
+                          <a:effectLst/>
+                          <a:latin typeface="Arial" panose="020B0604020202020204" pitchFamily="34" charset="0"/>
+                          <a:cs typeface="Arial" panose="020B0604020202020204" pitchFamily="34" charset="0"/>
+                        </a:rPr>
+                        <a:t>Actuaria</a:t>
+                      </a:r>
+                    </a:p>
+                    <a:p>
+                      <a:pPr>
+                        <a:buFont typeface="Arial" panose="020B0604020202020204" pitchFamily="34" charset="0"/>
+                        <a:buChar char="•"/>
+                      </a:pPr>
+                      <a:r>
+                        <a:rPr lang="es-MX" sz="1100" dirty="0">
+                          <a:solidFill>
+                            <a:srgbClr val="FFFF00"/>
+                          </a:solidFill>
+                          <a:effectLst/>
+                          <a:latin typeface="Arial" panose="020B0604020202020204" pitchFamily="34" charset="0"/>
+                          <a:cs typeface="Arial" panose="020B0604020202020204" pitchFamily="34" charset="0"/>
+                        </a:rPr>
+                        <a:t>Administración</a:t>
+                      </a:r>
+                    </a:p>
+                    <a:p>
+                      <a:pPr>
+                        <a:buFont typeface="Arial" panose="020B0604020202020204" pitchFamily="34" charset="0"/>
+                        <a:buChar char="•"/>
+                      </a:pPr>
+                      <a:r>
+                        <a:rPr lang="es-MX" sz="1100" dirty="0">
+                          <a:solidFill>
+                            <a:srgbClr val="FFFF00"/>
+                          </a:solidFill>
+                          <a:effectLst/>
+                          <a:latin typeface="Arial" panose="020B0604020202020204" pitchFamily="34" charset="0"/>
+                          <a:cs typeface="Arial" panose="020B0604020202020204" pitchFamily="34" charset="0"/>
+                        </a:rPr>
+                        <a:t>Agropecuaria</a:t>
+                      </a:r>
+                    </a:p>
+                    <a:p>
+                      <a:pPr>
+                        <a:buFont typeface="Arial" panose="020B0604020202020204" pitchFamily="34" charset="0"/>
+                        <a:buChar char="•"/>
+                      </a:pPr>
+                      <a:r>
+                        <a:rPr lang="es-MX" sz="1100" dirty="0">
+                          <a:solidFill>
+                            <a:srgbClr val="FFFF00"/>
+                          </a:solidFill>
+                          <a:effectLst/>
+                          <a:latin typeface="Arial" panose="020B0604020202020204" pitchFamily="34" charset="0"/>
+                          <a:cs typeface="Arial" panose="020B0604020202020204" pitchFamily="34" charset="0"/>
+                        </a:rPr>
+                        <a:t>Antropología</a:t>
+                      </a:r>
+                    </a:p>
+                    <a:p>
+                      <a:pPr>
+                        <a:buFont typeface="Arial" panose="020B0604020202020204" pitchFamily="34" charset="0"/>
+                        <a:buChar char="•"/>
+                      </a:pPr>
+                      <a:r>
+                        <a:rPr lang="es-MX" sz="1100" dirty="0">
+                          <a:solidFill>
+                            <a:srgbClr val="FFFF00"/>
+                          </a:solidFill>
+                          <a:effectLst/>
+                          <a:latin typeface="Arial" panose="020B0604020202020204" pitchFamily="34" charset="0"/>
+                          <a:cs typeface="Arial" panose="020B0604020202020204" pitchFamily="34" charset="0"/>
+                        </a:rPr>
+                        <a:t>Arquitectura</a:t>
+                      </a:r>
+                    </a:p>
+                    <a:p>
+                      <a:pPr>
+                        <a:buFont typeface="Arial" panose="020B0604020202020204" pitchFamily="34" charset="0"/>
+                        <a:buChar char="•"/>
+                      </a:pPr>
+                      <a:r>
+                        <a:rPr lang="es-MX" sz="1100" dirty="0">
+                          <a:solidFill>
+                            <a:srgbClr val="FFFF00"/>
+                          </a:solidFill>
+                          <a:effectLst/>
+                          <a:latin typeface="Arial" panose="020B0604020202020204" pitchFamily="34" charset="0"/>
+                          <a:cs typeface="Arial" panose="020B0604020202020204" pitchFamily="34" charset="0"/>
+                        </a:rPr>
+                        <a:t>Arquitectura   de Paisaje</a:t>
+                      </a:r>
+                    </a:p>
+                    <a:p>
+                      <a:pPr>
+                        <a:buFont typeface="Arial" panose="020B0604020202020204" pitchFamily="34" charset="0"/>
+                        <a:buChar char="•"/>
+                      </a:pPr>
+                      <a:r>
+                        <a:rPr lang="es-MX" sz="1100" dirty="0">
+                          <a:solidFill>
+                            <a:srgbClr val="FFFF00"/>
+                          </a:solidFill>
+                          <a:effectLst/>
+                          <a:latin typeface="Arial" panose="020B0604020202020204" pitchFamily="34" charset="0"/>
+                          <a:cs typeface="Arial" panose="020B0604020202020204" pitchFamily="34" charset="0"/>
+                        </a:rPr>
+                        <a:t>Arte   y Diseño</a:t>
+                      </a:r>
+                    </a:p>
+                    <a:p>
+                      <a:pPr>
+                        <a:buFont typeface="Arial" panose="020B0604020202020204" pitchFamily="34" charset="0"/>
+                        <a:buChar char="•"/>
+                      </a:pPr>
+                      <a:r>
+                        <a:rPr lang="es-MX" sz="1100" dirty="0">
+                          <a:solidFill>
+                            <a:srgbClr val="FFFF00"/>
+                          </a:solidFill>
+                          <a:effectLst/>
+                          <a:latin typeface="Arial" panose="020B0604020202020204" pitchFamily="34" charset="0"/>
+                          <a:cs typeface="Arial" panose="020B0604020202020204" pitchFamily="34" charset="0"/>
+                        </a:rPr>
+                        <a:t>Artes   Visuales</a:t>
+                      </a:r>
                     </a:p>
                   </a:txBody>
                   <a:tcPr marL="40377" marR="40377" marT="40377" marB="40377" anchor="ctr">
@@ -5664,217 +6007,9 @@
                       <a:headEnd type="none" w="med" len="med"/>
                       <a:tailEnd type="none" w="med" len="med"/>
                     </a:lnB>
-                  </a:tcPr>
-                </a:tc>
-                <a:tc>
-                  <a:txBody>
-                    <a:bodyPr/>
-                    <a:lstStyle/>
-                    <a:p>
-                      <a:r>
-                        <a:rPr lang="es-MX" sz="900" dirty="0">
-                          <a:solidFill>
-                            <a:srgbClr val="000000"/>
-                          </a:solidFill>
-                          <a:effectLst/>
-                        </a:rPr>
-                        <a:t>La institución ofrece las siguientes carreras:</a:t>
-                      </a:r>
-                      <a:endParaRPr lang="es-MX" sz="900" dirty="0">
-                        <a:effectLst/>
-                      </a:endParaRPr>
-                    </a:p>
-                    <a:p>
-                      <a:pPr>
-                        <a:buFont typeface="Arial" panose="020B0604020202020204" pitchFamily="34" charset="0"/>
-                        <a:buChar char="•"/>
-                      </a:pPr>
-                      <a:r>
-                        <a:rPr lang="es-MX" sz="900" dirty="0">
-                          <a:solidFill>
-                            <a:srgbClr val="000000"/>
-                          </a:solidFill>
-                          <a:effectLst/>
-                        </a:rPr>
-                        <a:t>Actuaria</a:t>
-                      </a:r>
-                      <a:endParaRPr lang="es-MX" sz="900" dirty="0">
-                        <a:effectLst/>
-                      </a:endParaRPr>
-                    </a:p>
-                    <a:p>
-                      <a:pPr>
-                        <a:buFont typeface="Arial" panose="020B0604020202020204" pitchFamily="34" charset="0"/>
-                        <a:buChar char="•"/>
-                      </a:pPr>
-                      <a:r>
-                        <a:rPr lang="es-MX" sz="900" dirty="0">
-                          <a:solidFill>
-                            <a:srgbClr val="000000"/>
-                          </a:solidFill>
-                          <a:effectLst/>
-                        </a:rPr>
-                        <a:t>Administración</a:t>
-                      </a:r>
-                      <a:endParaRPr lang="es-MX" sz="900" dirty="0">
-                        <a:effectLst/>
-                      </a:endParaRPr>
-                    </a:p>
-                    <a:p>
-                      <a:pPr>
-                        <a:buFont typeface="Arial" panose="020B0604020202020204" pitchFamily="34" charset="0"/>
-                        <a:buChar char="•"/>
-                      </a:pPr>
-                      <a:r>
-                        <a:rPr lang="es-MX" sz="900" dirty="0">
-                          <a:solidFill>
-                            <a:srgbClr val="000000"/>
-                          </a:solidFill>
-                          <a:effectLst/>
-                        </a:rPr>
-                        <a:t>Agropecuaria</a:t>
-                      </a:r>
-                      <a:endParaRPr lang="es-MX" sz="900" dirty="0">
-                        <a:effectLst/>
-                      </a:endParaRPr>
-                    </a:p>
-                    <a:p>
-                      <a:pPr>
-                        <a:buFont typeface="Arial" panose="020B0604020202020204" pitchFamily="34" charset="0"/>
-                        <a:buChar char="•"/>
-                      </a:pPr>
-                      <a:r>
-                        <a:rPr lang="es-MX" sz="900" dirty="0" err="1">
-                          <a:solidFill>
-                            <a:srgbClr val="000000"/>
-                          </a:solidFill>
-                          <a:effectLst/>
-                        </a:rPr>
-                        <a:t>Antropologia</a:t>
-                      </a:r>
-                      <a:endParaRPr lang="es-MX" sz="900" dirty="0">
-                        <a:effectLst/>
-                      </a:endParaRPr>
-                    </a:p>
-                    <a:p>
-                      <a:pPr>
-                        <a:buFont typeface="Arial" panose="020B0604020202020204" pitchFamily="34" charset="0"/>
-                        <a:buChar char="•"/>
-                      </a:pPr>
-                      <a:r>
-                        <a:rPr lang="es-MX" sz="900" dirty="0">
-                          <a:solidFill>
-                            <a:srgbClr val="000000"/>
-                          </a:solidFill>
-                          <a:effectLst/>
-                        </a:rPr>
-                        <a:t>Arquitectura</a:t>
-                      </a:r>
-                      <a:endParaRPr lang="es-MX" sz="900" dirty="0">
-                        <a:effectLst/>
-                      </a:endParaRPr>
-                    </a:p>
-                    <a:p>
-                      <a:pPr>
-                        <a:buFont typeface="Arial" panose="020B0604020202020204" pitchFamily="34" charset="0"/>
-                        <a:buChar char="•"/>
-                      </a:pPr>
-                      <a:r>
-                        <a:rPr lang="es-MX" sz="900" dirty="0">
-                          <a:solidFill>
-                            <a:srgbClr val="000000"/>
-                          </a:solidFill>
-                          <a:effectLst/>
-                        </a:rPr>
-                        <a:t>Arquitectura   de Paisaje</a:t>
-                      </a:r>
-                      <a:endParaRPr lang="es-MX" sz="900" dirty="0">
-                        <a:effectLst/>
-                      </a:endParaRPr>
-                    </a:p>
-                    <a:p>
-                      <a:pPr>
-                        <a:buFont typeface="Arial" panose="020B0604020202020204" pitchFamily="34" charset="0"/>
-                        <a:buChar char="•"/>
-                      </a:pPr>
-                      <a:r>
-                        <a:rPr lang="es-MX" sz="900" dirty="0">
-                          <a:solidFill>
-                            <a:srgbClr val="000000"/>
-                          </a:solidFill>
-                          <a:effectLst/>
-                        </a:rPr>
-                        <a:t>Arte   y </a:t>
-                      </a:r>
-                      <a:r>
-                        <a:rPr lang="es-MX" sz="900" dirty="0" err="1">
-                          <a:solidFill>
-                            <a:srgbClr val="000000"/>
-                          </a:solidFill>
-                          <a:effectLst/>
-                        </a:rPr>
-                        <a:t>Diseno</a:t>
-                      </a:r>
-                      <a:endParaRPr lang="es-MX" sz="900" dirty="0">
-                        <a:effectLst/>
-                      </a:endParaRPr>
-                    </a:p>
-                    <a:p>
-                      <a:pPr>
-                        <a:buFont typeface="Arial" panose="020B0604020202020204" pitchFamily="34" charset="0"/>
-                        <a:buChar char="•"/>
-                      </a:pPr>
-                      <a:r>
-                        <a:rPr lang="es-MX" sz="900" dirty="0">
-                          <a:solidFill>
-                            <a:srgbClr val="000000"/>
-                          </a:solidFill>
-                          <a:effectLst/>
-                        </a:rPr>
-                        <a:t>Artes   Visuales</a:t>
-                      </a:r>
-                      <a:endParaRPr lang="es-MX" sz="900" dirty="0">
-                        <a:effectLst/>
-                      </a:endParaRPr>
-                    </a:p>
-                  </a:txBody>
-                  <a:tcPr marL="40377" marR="40377" marT="40377" marB="40377" anchor="ctr">
-                    <a:lnL w="7620" cap="flat" cmpd="sng" algn="ctr">
-                      <a:solidFill>
-                        <a:srgbClr val="CCCCCC"/>
-                      </a:solidFill>
-                      <a:prstDash val="solid"/>
-                      <a:round/>
-                      <a:headEnd type="none" w="med" len="med"/>
-                      <a:tailEnd type="none" w="med" len="med"/>
-                    </a:lnL>
-                    <a:lnR w="7620" cap="flat" cmpd="sng" algn="ctr">
-                      <a:solidFill>
-                        <a:srgbClr val="CCCCCC"/>
-                      </a:solidFill>
-                      <a:prstDash val="solid"/>
-                      <a:round/>
-                      <a:headEnd type="none" w="med" len="med"/>
-                      <a:tailEnd type="none" w="med" len="med"/>
-                    </a:lnR>
-                    <a:lnT w="7620" cap="flat" cmpd="sng" algn="ctr">
-                      <a:solidFill>
-                        <a:srgbClr val="CCCCCC"/>
-                      </a:solidFill>
-                      <a:prstDash val="solid"/>
-                      <a:round/>
-                      <a:headEnd type="none" w="med" len="med"/>
-                      <a:tailEnd type="none" w="med" len="med"/>
-                    </a:lnT>
-                    <a:lnB w="7620" cap="flat" cmpd="sng" algn="ctr">
-                      <a:solidFill>
-                        <a:srgbClr val="CCCCCC"/>
-                      </a:solidFill>
-                      <a:prstDash val="solid"/>
-                      <a:round/>
-                      <a:headEnd type="none" w="med" len="med"/>
-                      <a:tailEnd type="none" w="med" len="med"/>
-                    </a:lnB>
+                    <a:solidFill>
+                      <a:srgbClr val="0070C0"/>
+                    </a:solidFill>
                   </a:tcPr>
                 </a:tc>
                 <a:extLst>
@@ -5903,8 +6038,8 @@
         </p:nvSpPr>
         <p:spPr bwMode="auto">
           <a:xfrm>
-            <a:off x="1503362" y="4620396"/>
-            <a:ext cx="1249363" cy="369332"/>
+            <a:off x="1189037" y="4150312"/>
+            <a:ext cx="1420813" cy="461665"/>
           </a:xfrm>
           <a:prstGeom prst="rect">
             <a:avLst/>
@@ -5969,7 +6104,7 @@
               <a:tabLst/>
             </a:pPr>
             <a:r>
-              <a:rPr kumimoji="0" lang="es-MX" altLang="es-MX" sz="1800" b="1" i="0" u="none" strike="noStrike" cap="none" normalizeH="0" baseline="0" dirty="0">
+              <a:rPr kumimoji="0" lang="es-MX" altLang="es-MX" sz="2400" b="1" i="0" u="none" strike="noStrike" cap="none" normalizeH="0" baseline="0" dirty="0">
                 <a:ln>
                   <a:noFill/>
                 </a:ln>
@@ -5981,7 +6116,7 @@
               </a:rPr>
               <a:t>Alumno</a:t>
             </a:r>
-            <a:endParaRPr kumimoji="0" lang="es-MX" altLang="es-MX" sz="1800" b="0" i="0" u="none" strike="noStrike" cap="none" normalizeH="0" baseline="0" dirty="0">
+            <a:endParaRPr kumimoji="0" lang="es-MX" altLang="es-MX" sz="2400" b="0" i="0" u="none" strike="noStrike" cap="none" normalizeH="0" baseline="0" dirty="0">
               <a:ln>
                 <a:noFill/>
               </a:ln>
@@ -6087,6 +6222,9 @@
             <a:off x="838200" y="1265947"/>
             <a:ext cx="2581275" cy="5226928"/>
           </a:xfrm>
+          <a:solidFill>
+            <a:srgbClr val="0070C0"/>
+          </a:solidFill>
         </p:spPr>
         <p:txBody>
           <a:bodyPr>
@@ -6099,6 +6237,9 @@
             </a:pPr>
             <a:r>
               <a:rPr lang="es-MX" sz="2400" dirty="0">
+                <a:solidFill>
+                  <a:srgbClr val="FFFF00"/>
+                </a:solidFill>
                 <a:effectLst/>
                 <a:latin typeface="Arial" panose="020B0604020202020204" pitchFamily="34" charset="0"/>
                 <a:cs typeface="Arial" panose="020B0604020202020204" pitchFamily="34" charset="0"/>
@@ -6106,6 +6247,9 @@
               <a:t>En la figura se puede observar el diseño de la base de datos de este proyecto, cada una de las tablas tiene relación con otra por medio de llaves foráneas con relaciones de renglón uno a uno y uno a muchos.</a:t>
             </a:r>
             <a:endParaRPr lang="es-MX" sz="2400" dirty="0">
+              <a:solidFill>
+                <a:srgbClr val="FFFF00"/>
+              </a:solidFill>
               <a:latin typeface="Arial" panose="020B0604020202020204" pitchFamily="34" charset="0"/>
               <a:cs typeface="Arial" panose="020B0604020202020204" pitchFamily="34" charset="0"/>
             </a:endParaRPr>
@@ -6205,6 +6349,9 @@
             <a:off x="5129212" y="3188494"/>
             <a:ext cx="1985963" cy="735806"/>
           </a:xfrm>
+          <a:solidFill>
+            <a:srgbClr val="0070C0"/>
+          </a:solidFill>
         </p:spPr>
         <p:txBody>
           <a:bodyPr>
@@ -6217,10 +6364,30 @@
             </a:pPr>
             <a:r>
               <a:rPr lang="es-MX" sz="4000" dirty="0">
+                <a:solidFill>
+                  <a:srgbClr val="FFFF00"/>
+                </a:solidFill>
                 <a:latin typeface="Arial" panose="020B0604020202020204" pitchFamily="34" charset="0"/>
                 <a:cs typeface="Arial" panose="020B0604020202020204" pitchFamily="34" charset="0"/>
               </a:rPr>
-              <a:t>Gracias !</a:t>
+              <a:t>Gracias</a:t>
+            </a:r>
+            <a:r>
+              <a:rPr lang="es-MX" sz="4000" dirty="0">
+                <a:latin typeface="Arial" panose="020B0604020202020204" pitchFamily="34" charset="0"/>
+                <a:cs typeface="Arial" panose="020B0604020202020204" pitchFamily="34" charset="0"/>
+              </a:rPr>
+              <a:t> </a:t>
+            </a:r>
+            <a:r>
+              <a:rPr lang="es-MX" sz="4000" dirty="0">
+                <a:solidFill>
+                  <a:srgbClr val="FFFF00"/>
+                </a:solidFill>
+                <a:latin typeface="Arial" panose="020B0604020202020204" pitchFamily="34" charset="0"/>
+                <a:cs typeface="Arial" panose="020B0604020202020204" pitchFamily="34" charset="0"/>
+              </a:rPr>
+              <a:t>!</a:t>
             </a:r>
           </a:p>
         </p:txBody>
@@ -6241,17 +6408,6 @@
 <file path=ppt/slides/slide2.xml><?xml version="1.0" encoding="utf-8"?>
 <p:sld xmlns:a="http://schemas.openxmlformats.org/drawingml/2006/main" xmlns:r="http://schemas.openxmlformats.org/officeDocument/2006/relationships" xmlns:p="http://schemas.openxmlformats.org/presentationml/2006/main">
   <p:cSld>
-    <p:bg>
-      <p:bgPr>
-        <a:solidFill>
-          <a:schemeClr val="accent1">
-            <a:lumMod val="40000"/>
-            <a:lumOff val="60000"/>
-          </a:schemeClr>
-        </a:solidFill>
-        <a:effectLst/>
-      </p:bgPr>
-    </p:bg>
     <p:spTree>
       <p:nvGrpSpPr>
         <p:cNvPr id="1" name=""/>
@@ -6586,18 +6742,27 @@
         <p:spPr>
           <a:xfrm>
             <a:off x="838200" y="1825625"/>
-            <a:ext cx="2928730" cy="4351338"/>
+            <a:ext cx="2705982" cy="461665"/>
           </a:xfrm>
+          <a:solidFill>
+            <a:srgbClr val="0070C0"/>
+          </a:solidFill>
         </p:spPr>
         <p:txBody>
-          <a:bodyPr/>
+          <a:bodyPr>
+            <a:normAutofit lnSpcReduction="10000"/>
+          </a:bodyPr>
           <a:lstStyle/>
           <a:p>
             <a:pPr marL="0" indent="0">
               <a:buNone/>
             </a:pPr>
             <a:r>
-              <a:rPr lang="es-MX" dirty="0"/>
+              <a:rPr lang="es-MX" dirty="0">
+                <a:solidFill>
+                  <a:srgbClr val="FFFF00"/>
+                </a:solidFill>
+              </a:rPr>
               <a:t>Herramientas</a:t>
             </a:r>
           </a:p>
@@ -6628,18 +6793,27 @@
         <p:spPr>
           <a:xfrm>
             <a:off x="4575312" y="1825625"/>
-            <a:ext cx="3319670" cy="4351338"/>
+            <a:ext cx="3139938" cy="477283"/>
           </a:xfrm>
+          <a:solidFill>
+            <a:srgbClr val="0070C0"/>
+          </a:solidFill>
         </p:spPr>
         <p:txBody>
-          <a:bodyPr/>
+          <a:bodyPr>
+            <a:normAutofit lnSpcReduction="10000"/>
+          </a:bodyPr>
           <a:lstStyle/>
           <a:p>
             <a:pPr marL="0" indent="0">
               <a:buNone/>
             </a:pPr>
             <a:r>
-              <a:rPr lang="es-MX" dirty="0"/>
+              <a:rPr lang="es-MX" dirty="0">
+                <a:solidFill>
+                  <a:srgbClr val="FFFF00"/>
+                </a:solidFill>
+              </a:rPr>
               <a:t>Tecnologías</a:t>
             </a:r>
           </a:p>
@@ -6665,7 +6839,9 @@
           <a:prstGeom prst="rect">
             <a:avLst/>
           </a:prstGeom>
-          <a:noFill/>
+          <a:solidFill>
+            <a:srgbClr val="0070C0"/>
+          </a:solidFill>
         </p:spPr>
         <p:txBody>
           <a:bodyPr wrap="square" rtlCol="0">
@@ -6675,12 +6851,18 @@
           <a:p>
             <a:r>
               <a:rPr lang="es-MX" sz="2400" dirty="0">
+                <a:solidFill>
+                  <a:srgbClr val="FFFF00"/>
+                </a:solidFill>
                 <a:latin typeface="Arial" panose="020B0604020202020204" pitchFamily="34" charset="0"/>
                 <a:cs typeface="Arial" panose="020B0604020202020204" pitchFamily="34" charset="0"/>
               </a:rPr>
               <a:t>Lenguajes</a:t>
             </a:r>
             <a:endParaRPr lang="es-MX" dirty="0">
+              <a:solidFill>
+                <a:srgbClr val="FFFF00"/>
+              </a:solidFill>
               <a:latin typeface="Arial" panose="020B0604020202020204" pitchFamily="34" charset="0"/>
               <a:cs typeface="Arial" panose="020B0604020202020204" pitchFamily="34" charset="0"/>
             </a:endParaRPr>
@@ -7292,7 +7474,7 @@
                 <a:latin typeface="Arial" panose="020B0604020202020204" pitchFamily="34" charset="0"/>
                 <a:cs typeface="Arial" panose="020B0604020202020204" pitchFamily="34" charset="0"/>
               </a:rPr>
-              <a:t>JUSTIFICACIÓN</a:t>
+              <a:t>Desarrollo de aplicaciones actualmente</a:t>
             </a:r>
             <a:endParaRPr lang="es-MX" sz="4000" b="1" dirty="0">
               <a:latin typeface="Arial" panose="020B0604020202020204" pitchFamily="34" charset="0"/>
@@ -7382,7 +7564,7 @@
         </p:blipFill>
         <p:spPr>
           <a:xfrm>
-            <a:off x="762000" y="999789"/>
+            <a:off x="762000" y="1505816"/>
             <a:ext cx="10668000" cy="4651169"/>
           </a:xfrm>
           <a:prstGeom prst="rect">
@@ -7390,6 +7572,48 @@
           </a:prstGeom>
         </p:spPr>
       </p:pic>
+      <p:sp>
+        <p:nvSpPr>
+          <p:cNvPr id="3" name="Título 1">
+            <a:extLst>
+              <a:ext uri="{FF2B5EF4-FFF2-40B4-BE49-F238E27FC236}">
+                <a16:creationId xmlns:a16="http://schemas.microsoft.com/office/drawing/2014/main" id="{4A1905D5-5ADC-465C-A6A4-07026BBFB538}"/>
+              </a:ext>
+            </a:extLst>
+          </p:cNvPr>
+          <p:cNvSpPr>
+            <a:spLocks noGrp="1"/>
+          </p:cNvSpPr>
+          <p:nvPr>
+            <p:ph type="title"/>
+          </p:nvPr>
+        </p:nvSpPr>
+        <p:spPr>
+          <a:xfrm>
+            <a:off x="838200" y="365125"/>
+            <a:ext cx="10515600" cy="1325563"/>
+          </a:xfrm>
+        </p:spPr>
+        <p:txBody>
+          <a:bodyPr>
+            <a:normAutofit/>
+          </a:bodyPr>
+          <a:lstStyle/>
+          <a:p>
+            <a:r>
+              <a:rPr lang="es-MX" sz="3200" b="1" dirty="0">
+                <a:latin typeface="Arial" panose="020B0604020202020204" pitchFamily="34" charset="0"/>
+                <a:cs typeface="Arial" panose="020B0604020202020204" pitchFamily="34" charset="0"/>
+              </a:rPr>
+              <a:t>Área de oportunidad</a:t>
+            </a:r>
+            <a:endParaRPr lang="es-MX" sz="4000" b="1" dirty="0">
+              <a:latin typeface="Arial" panose="020B0604020202020204" pitchFamily="34" charset="0"/>
+              <a:cs typeface="Arial" panose="020B0604020202020204" pitchFamily="34" charset="0"/>
+            </a:endParaRPr>
+          </a:p>
+        </p:txBody>
+      </p:sp>
     </p:spTree>
     <p:extLst>
       <p:ext uri="{BB962C8B-B14F-4D97-AF65-F5344CB8AC3E}">
@@ -7523,9 +7747,12 @@
         </p:nvSpPr>
         <p:spPr>
           <a:xfrm>
-            <a:off x="838200" y="1027906"/>
-            <a:ext cx="11426687" cy="1700160"/>
+            <a:off x="72888" y="1027905"/>
+            <a:ext cx="12192000" cy="962819"/>
           </a:xfrm>
+          <a:solidFill>
+            <a:srgbClr val="0070C0"/>
+          </a:solidFill>
         </p:spPr>
         <p:txBody>
           <a:bodyPr>
@@ -7539,13 +7766,17 @@
             <a:r>
               <a:rPr lang="es-MX" dirty="0">
                 <a:solidFill>
-                  <a:srgbClr val="16212F"/>
+                  <a:srgbClr val="FFFF00"/>
                 </a:solidFill>
                 <a:effectLst/>
               </a:rPr>
-              <a:t>El objetivo principal de la conectividad API-Led es habilitar la integración de flujos para que reutilizados por la plataforma de integración o diferentes grupos. </a:t>
-            </a:r>
-            <a:endParaRPr lang="es-MX" dirty="0"/>
+              <a:t>El objetivo principal de la conectividad API-Led es habilitar la integración de flujos para ser reutilizados por la plataforma de integración, agentes internos o externos. </a:t>
+            </a:r>
+            <a:endParaRPr lang="es-MX" dirty="0">
+              <a:solidFill>
+                <a:srgbClr val="FFFF00"/>
+              </a:solidFill>
+            </a:endParaRPr>
           </a:p>
         </p:txBody>
       </p:sp>
@@ -7636,6 +7867,9 @@
             <a:off x="838200" y="4767432"/>
             <a:ext cx="10515600" cy="1725443"/>
           </a:xfrm>
+          <a:solidFill>
+            <a:srgbClr val="0070C0"/>
+          </a:solidFill>
         </p:spPr>
         <p:txBody>
           <a:bodyPr/>
@@ -7647,13 +7881,17 @@
             <a:r>
               <a:rPr lang="es-MX" dirty="0">
                 <a:solidFill>
-                  <a:srgbClr val="16212F"/>
+                  <a:srgbClr val="FFFF00"/>
                 </a:solidFill>
                 <a:effectLst/>
               </a:rPr>
               <a:t>La transferencia de estado representacional REST es una interfaz para conectar  varios sistemas basados en el protocolo HTTP y nos sirve para obtener y generar datos en formatos muy específicos, como en notación de objetos de JavaScript JSON.</a:t>
             </a:r>
-            <a:endParaRPr lang="es-MX" dirty="0"/>
+            <a:endParaRPr lang="es-MX" dirty="0">
+              <a:solidFill>
+                <a:srgbClr val="FFFF00"/>
+              </a:solidFill>
+            </a:endParaRPr>
           </a:p>
           <a:p>
             <a:endParaRPr lang="es-MX" dirty="0"/>
@@ -7785,10 +8023,13 @@
             <a:off x="838200" y="1834503"/>
             <a:ext cx="10515600" cy="3900472"/>
           </a:xfrm>
+          <a:solidFill>
+            <a:srgbClr val="0070C0"/>
+          </a:solidFill>
         </p:spPr>
         <p:txBody>
           <a:bodyPr>
-            <a:normAutofit/>
+            <a:normAutofit lnSpcReduction="10000"/>
           </a:bodyPr>
           <a:lstStyle/>
           <a:p>
@@ -7798,16 +8039,31 @@
             <a:r>
               <a:rPr lang="es-MX" sz="2400" dirty="0">
                 <a:solidFill>
-                  <a:srgbClr val="000000"/>
+                  <a:schemeClr val="accent2">
+                    <a:lumMod val="60000"/>
+                    <a:lumOff val="40000"/>
+                  </a:schemeClr>
                 </a:solidFill>
                 <a:effectLst/>
                 <a:latin typeface="Arial" panose="020B0604020202020204" pitchFamily="34" charset="0"/>
                 <a:cs typeface="Arial" panose="020B0604020202020204" pitchFamily="34" charset="0"/>
-                <a:hlinkClick r:id="rId2" tooltip="Open endpoint documentation"/>
+                <a:hlinkClick r:id="rId2" tooltip="Open endpoint documentation">
+                  <a:extLst>
+                    <a:ext uri="{A12FA001-AC4F-418D-AE19-62706E023703}">
+                      <ahyp:hlinkClr xmlns:ahyp="http://schemas.microsoft.com/office/drawing/2018/hyperlinkcolor" val="tx"/>
+                    </a:ext>
+                  </a:extLst>
+                </a:hlinkClick>
               </a:rPr>
               <a:t>/cursos</a:t>
             </a:r>
             <a:endParaRPr lang="es-MX" sz="2400" dirty="0">
+              <a:solidFill>
+                <a:schemeClr val="accent2">
+                  <a:lumMod val="60000"/>
+                  <a:lumOff val="40000"/>
+                </a:schemeClr>
+              </a:solidFill>
               <a:latin typeface="Arial" panose="020B0604020202020204" pitchFamily="34" charset="0"/>
               <a:cs typeface="Arial" panose="020B0604020202020204" pitchFamily="34" charset="0"/>
             </a:endParaRPr>
@@ -7819,7 +8075,10 @@
             <a:r>
               <a:rPr lang="es-MX" sz="2400" b="1" dirty="0">
                 <a:solidFill>
-                  <a:srgbClr val="000000"/>
+                  <a:schemeClr val="accent6">
+                    <a:lumMod val="60000"/>
+                    <a:lumOff val="40000"/>
+                  </a:schemeClr>
                 </a:solidFill>
                 <a:effectLst/>
                 <a:latin typeface="Arial" panose="020B0604020202020204" pitchFamily="34" charset="0"/>
@@ -7850,16 +8109,31 @@
             <a:r>
               <a:rPr lang="es-MX" sz="2400" dirty="0">
                 <a:solidFill>
-                  <a:srgbClr val="000000"/>
+                  <a:schemeClr val="accent2">
+                    <a:lumMod val="60000"/>
+                    <a:lumOff val="40000"/>
+                  </a:schemeClr>
                 </a:solidFill>
                 <a:effectLst/>
                 <a:latin typeface="Arial" panose="020B0604020202020204" pitchFamily="34" charset="0"/>
                 <a:cs typeface="Arial" panose="020B0604020202020204" pitchFamily="34" charset="0"/>
-                <a:hlinkClick r:id="rId3" tooltip="Open endpoint documentation"/>
+                <a:hlinkClick r:id="rId3" tooltip="Open endpoint documentation">
+                  <a:extLst>
+                    <a:ext uri="{A12FA001-AC4F-418D-AE19-62706E023703}">
+                      <ahyp:hlinkClr xmlns:ahyp="http://schemas.microsoft.com/office/drawing/2018/hyperlinkcolor" val="tx"/>
+                    </a:ext>
+                  </a:extLst>
+                </a:hlinkClick>
               </a:rPr>
               <a:t>/cursos/{clave}</a:t>
             </a:r>
             <a:endParaRPr lang="es-MX" sz="2400" dirty="0">
+              <a:solidFill>
+                <a:schemeClr val="accent2">
+                  <a:lumMod val="60000"/>
+                  <a:lumOff val="40000"/>
+                </a:schemeClr>
+              </a:solidFill>
               <a:latin typeface="Arial" panose="020B0604020202020204" pitchFamily="34" charset="0"/>
               <a:cs typeface="Arial" panose="020B0604020202020204" pitchFamily="34" charset="0"/>
             </a:endParaRPr>
@@ -7871,7 +8145,10 @@
             <a:r>
               <a:rPr lang="es-MX" sz="2400" b="1" dirty="0">
                 <a:solidFill>
-                  <a:srgbClr val="000000"/>
+                  <a:schemeClr val="accent6">
+                    <a:lumMod val="60000"/>
+                    <a:lumOff val="40000"/>
+                  </a:schemeClr>
                 </a:solidFill>
                 <a:effectLst/>
                 <a:latin typeface="Arial" panose="020B0604020202020204" pitchFamily="34" charset="0"/>
@@ -7902,7 +8179,10 @@
             <a:r>
               <a:rPr lang="es-MX" sz="2400" u="sng" dirty="0">
                 <a:solidFill>
-                  <a:srgbClr val="0070C0"/>
+                  <a:schemeClr val="accent2">
+                    <a:lumMod val="60000"/>
+                    <a:lumOff val="40000"/>
+                  </a:schemeClr>
                 </a:solidFill>
                 <a:effectLst/>
                 <a:latin typeface="Arial" panose="020B0604020202020204" pitchFamily="34" charset="0"/>
@@ -7912,7 +8192,10 @@
             </a:r>
             <a:endParaRPr lang="es-MX" sz="2400" dirty="0">
               <a:solidFill>
-                <a:srgbClr val="0070C0"/>
+                <a:schemeClr val="accent2">
+                  <a:lumMod val="60000"/>
+                  <a:lumOff val="40000"/>
+                </a:schemeClr>
               </a:solidFill>
               <a:latin typeface="Arial" panose="020B0604020202020204" pitchFamily="34" charset="0"/>
               <a:cs typeface="Arial" panose="020B0604020202020204" pitchFamily="34" charset="0"/>
@@ -7925,13 +8208,28 @@
             <a:r>
               <a:rPr lang="es-MX" sz="2400" b="1" dirty="0">
                 <a:solidFill>
-                  <a:srgbClr val="000000"/>
+                  <a:schemeClr val="accent1">
+                    <a:lumMod val="50000"/>
+                  </a:schemeClr>
                 </a:solidFill>
                 <a:effectLst/>
                 <a:latin typeface="Arial" panose="020B0604020202020204" pitchFamily="34" charset="0"/>
                 <a:cs typeface="Arial" panose="020B0604020202020204" pitchFamily="34" charset="0"/>
               </a:rPr>
               <a:t>PUT:</a:t>
+            </a:r>
+            <a:r>
+              <a:rPr lang="es-MX" sz="2400" dirty="0">
+                <a:solidFill>
+                  <a:schemeClr val="accent1">
+                    <a:lumMod val="50000"/>
+                  </a:schemeClr>
+                </a:solidFill>
+                <a:effectLst/>
+                <a:latin typeface="Arial" panose="020B0604020202020204" pitchFamily="34" charset="0"/>
+                <a:cs typeface="Arial" panose="020B0604020202020204" pitchFamily="34" charset="0"/>
+              </a:rPr>
+              <a:t> </a:t>
             </a:r>
             <a:r>
               <a:rPr lang="es-MX" sz="2400" dirty="0">
@@ -7942,7 +8240,7 @@
                 <a:latin typeface="Arial" panose="020B0604020202020204" pitchFamily="34" charset="0"/>
                 <a:cs typeface="Arial" panose="020B0604020202020204" pitchFamily="34" charset="0"/>
               </a:rPr>
-              <a:t> Permite a un alumno inscribirse a un curso con la clave del curso</a:t>
+              <a:t>Permite a un alumno inscribirse a un curso con la clave del curso y la matricula del alumno en el cuerpo</a:t>
             </a:r>
             <a:endParaRPr lang="es-MX" sz="2400" dirty="0">
               <a:latin typeface="Arial" panose="020B0604020202020204" pitchFamily="34" charset="0"/>
@@ -7956,13 +8254,24 @@
             <a:r>
               <a:rPr lang="es-MX" sz="2400" b="1" dirty="0">
                 <a:solidFill>
-                  <a:srgbClr val="000000"/>
+                  <a:srgbClr val="FF0000"/>
                 </a:solidFill>
                 <a:effectLst/>
                 <a:latin typeface="Arial" panose="020B0604020202020204" pitchFamily="34" charset="0"/>
                 <a:cs typeface="Arial" panose="020B0604020202020204" pitchFamily="34" charset="0"/>
               </a:rPr>
               <a:t>DELETE:</a:t>
+            </a:r>
+            <a:r>
+              <a:rPr lang="es-MX" sz="2400" dirty="0">
+                <a:solidFill>
+                  <a:srgbClr val="FF0000"/>
+                </a:solidFill>
+                <a:effectLst/>
+                <a:latin typeface="Arial" panose="020B0604020202020204" pitchFamily="34" charset="0"/>
+                <a:cs typeface="Arial" panose="020B0604020202020204" pitchFamily="34" charset="0"/>
+              </a:rPr>
+              <a:t> </a:t>
             </a:r>
             <a:r>
               <a:rPr lang="es-MX" sz="2400" dirty="0">
@@ -7973,7 +8282,7 @@
                 <a:latin typeface="Arial" panose="020B0604020202020204" pitchFamily="34" charset="0"/>
                 <a:cs typeface="Arial" panose="020B0604020202020204" pitchFamily="34" charset="0"/>
               </a:rPr>
-              <a:t> Permite dar de baja a un alumno de un curso con la clave del curso</a:t>
+              <a:t>Permite dar de baja a un alumno de un curso con la clave del curso y la matricula del alumno en el cuerpo</a:t>
             </a:r>
             <a:endParaRPr lang="es-MX" sz="2400" dirty="0">
               <a:latin typeface="Arial" panose="020B0604020202020204" pitchFamily="34" charset="0"/>
@@ -8118,6 +8427,9 @@
             <a:off x="838200" y="5292755"/>
             <a:ext cx="8886825" cy="1169957"/>
           </a:xfrm>
+          <a:solidFill>
+            <a:srgbClr val="0070C0"/>
+          </a:solidFill>
         </p:spPr>
         <p:txBody>
           <a:bodyPr>
@@ -8131,13 +8443,17 @@
             <a:r>
               <a:rPr lang="es-MX" dirty="0">
                 <a:solidFill>
-                  <a:srgbClr val="000000"/>
+                  <a:srgbClr val="FFFF00"/>
                 </a:solidFill>
                 <a:effectLst/>
               </a:rPr>
               <a:t>El flujo de ejecución del sistema es de izquierda a derecha, cuando la API ejecuta alguna operación en la base de datos responde el contenido o el estatus correspondiente a la capa de presentación.</a:t>
             </a:r>
-            <a:endParaRPr lang="es-MX" dirty="0"/>
+            <a:endParaRPr lang="es-MX" dirty="0">
+              <a:solidFill>
+                <a:srgbClr val="FFFF00"/>
+              </a:solidFill>
+            </a:endParaRPr>
           </a:p>
           <a:p>
             <a:endParaRPr lang="es-MX" dirty="0"/>

--- a/INSTITUTO POLITÉCNICO NACIONAL.pptx
+++ b/INSTITUTO POLITÉCNICO NACIONAL.pptx
@@ -18,7 +18,9 @@
     <p:sldId id="266" r:id="rId12"/>
     <p:sldId id="267" r:id="rId13"/>
     <p:sldId id="268" r:id="rId14"/>
-    <p:sldId id="269" r:id="rId15"/>
+    <p:sldId id="270" r:id="rId15"/>
+    <p:sldId id="271" r:id="rId16"/>
+    <p:sldId id="269" r:id="rId17"/>
   </p:sldIdLst>
   <p:sldSz cx="12192000" cy="6858000"/>
   <p:notesSz cx="6858000" cy="9144000"/>
@@ -274,7 +276,7 @@
           <a:p>
             <a:fld id="{3A02FAB3-715B-4700-96CD-5E0B1F22FD83}" type="datetimeFigureOut">
               <a:rPr lang="es-MX" smtClean="0"/>
-              <a:t>18/12/2020</a:t>
+              <a:t>19/12/2020</a:t>
             </a:fld>
             <a:endParaRPr lang="es-MX"/>
           </a:p>
@@ -474,7 +476,7 @@
           <a:p>
             <a:fld id="{3A02FAB3-715B-4700-96CD-5E0B1F22FD83}" type="datetimeFigureOut">
               <a:rPr lang="es-MX" smtClean="0"/>
-              <a:t>18/12/2020</a:t>
+              <a:t>19/12/2020</a:t>
             </a:fld>
             <a:endParaRPr lang="es-MX"/>
           </a:p>
@@ -684,7 +686,7 @@
           <a:p>
             <a:fld id="{3A02FAB3-715B-4700-96CD-5E0B1F22FD83}" type="datetimeFigureOut">
               <a:rPr lang="es-MX" smtClean="0"/>
-              <a:t>18/12/2020</a:t>
+              <a:t>19/12/2020</a:t>
             </a:fld>
             <a:endParaRPr lang="es-MX"/>
           </a:p>
@@ -884,7 +886,7 @@
           <a:p>
             <a:fld id="{3A02FAB3-715B-4700-96CD-5E0B1F22FD83}" type="datetimeFigureOut">
               <a:rPr lang="es-MX" smtClean="0"/>
-              <a:t>18/12/2020</a:t>
+              <a:t>19/12/2020</a:t>
             </a:fld>
             <a:endParaRPr lang="es-MX"/>
           </a:p>
@@ -1160,7 +1162,7 @@
           <a:p>
             <a:fld id="{3A02FAB3-715B-4700-96CD-5E0B1F22FD83}" type="datetimeFigureOut">
               <a:rPr lang="es-MX" smtClean="0"/>
-              <a:t>18/12/2020</a:t>
+              <a:t>19/12/2020</a:t>
             </a:fld>
             <a:endParaRPr lang="es-MX"/>
           </a:p>
@@ -1428,7 +1430,7 @@
           <a:p>
             <a:fld id="{3A02FAB3-715B-4700-96CD-5E0B1F22FD83}" type="datetimeFigureOut">
               <a:rPr lang="es-MX" smtClean="0"/>
-              <a:t>18/12/2020</a:t>
+              <a:t>19/12/2020</a:t>
             </a:fld>
             <a:endParaRPr lang="es-MX"/>
           </a:p>
@@ -1843,7 +1845,7 @@
           <a:p>
             <a:fld id="{3A02FAB3-715B-4700-96CD-5E0B1F22FD83}" type="datetimeFigureOut">
               <a:rPr lang="es-MX" smtClean="0"/>
-              <a:t>18/12/2020</a:t>
+              <a:t>19/12/2020</a:t>
             </a:fld>
             <a:endParaRPr lang="es-MX"/>
           </a:p>
@@ -1985,7 +1987,7 @@
           <a:p>
             <a:fld id="{3A02FAB3-715B-4700-96CD-5E0B1F22FD83}" type="datetimeFigureOut">
               <a:rPr lang="es-MX" smtClean="0"/>
-              <a:t>18/12/2020</a:t>
+              <a:t>19/12/2020</a:t>
             </a:fld>
             <a:endParaRPr lang="es-MX"/>
           </a:p>
@@ -2098,7 +2100,7 @@
           <a:p>
             <a:fld id="{3A02FAB3-715B-4700-96CD-5E0B1F22FD83}" type="datetimeFigureOut">
               <a:rPr lang="es-MX" smtClean="0"/>
-              <a:t>18/12/2020</a:t>
+              <a:t>19/12/2020</a:t>
             </a:fld>
             <a:endParaRPr lang="es-MX"/>
           </a:p>
@@ -2411,7 +2413,7 @@
           <a:p>
             <a:fld id="{3A02FAB3-715B-4700-96CD-5E0B1F22FD83}" type="datetimeFigureOut">
               <a:rPr lang="es-MX" smtClean="0"/>
-              <a:t>18/12/2020</a:t>
+              <a:t>19/12/2020</a:t>
             </a:fld>
             <a:endParaRPr lang="es-MX"/>
           </a:p>
@@ -2700,7 +2702,7 @@
           <a:p>
             <a:fld id="{3A02FAB3-715B-4700-96CD-5E0B1F22FD83}" type="datetimeFigureOut">
               <a:rPr lang="es-MX" smtClean="0"/>
-              <a:t>18/12/2020</a:t>
+              <a:t>19/12/2020</a:t>
             </a:fld>
             <a:endParaRPr lang="es-MX"/>
           </a:p>
@@ -2949,7 +2951,7 @@
           <a:p>
             <a:fld id="{3A02FAB3-715B-4700-96CD-5E0B1F22FD83}" type="datetimeFigureOut">
               <a:rPr lang="es-MX" smtClean="0"/>
-              <a:t>18/12/2020</a:t>
+              <a:t>19/12/2020</a:t>
             </a:fld>
             <a:endParaRPr lang="es-MX"/>
           </a:p>
@@ -3426,7 +3428,7 @@
         </p:nvSpPr>
         <p:spPr>
           <a:xfrm>
-            <a:off x="1524000" y="2534864"/>
+            <a:off x="1524000" y="3010394"/>
             <a:ext cx="9144000" cy="1655762"/>
           </a:xfrm>
         </p:spPr>
@@ -3442,7 +3444,7 @@
                 <a:latin typeface="Arial" panose="020B0604020202020204" pitchFamily="34" charset="0"/>
                 <a:ea typeface="Calibri" panose="020F0502020204030204" pitchFamily="34" charset="0"/>
               </a:rPr>
-              <a:t>SISTEMA DE GESTIÓN ESCOLAR QUE PERMITA LA ADMINISTRACIÓN DE PERSONAL DOCENTE Y ESTUDIANTIL DENTRO DE UNA INSTITUCIÓN ACADÉMICA DE MANERA REMOTA</a:t>
+              <a:t>SISTEMA DE GESTIÓN ESCOLAR QUE PERMITA LA ADMINISTRACIÓN DE PERSONAL DOCENTE Y ESTUDIANTIL PERSONAL ADMINISTRATIVO DENTRO DE UNA INSTITUCIÓN ACADÉMICA DE MANERA REMOTA</a:t>
             </a:r>
             <a:endParaRPr lang="es-MX" sz="3200" i="1" dirty="0"/>
           </a:p>
@@ -3644,7 +3646,7 @@
         </p:nvSpPr>
         <p:spPr>
           <a:xfrm>
-            <a:off x="3484484" y="4548658"/>
+            <a:off x="3484484" y="5160799"/>
             <a:ext cx="5734975" cy="1754326"/>
           </a:xfrm>
           <a:prstGeom prst="rect">
@@ -3659,33 +3661,26 @@
           <a:lstStyle/>
           <a:p>
             <a:r>
-              <a:rPr lang="es-MX"/>
-              <a:t>C. César Rodríguez Calderón</a:t>
-            </a:r>
-          </a:p>
-          <a:p>
-            <a:endParaRPr lang="es-MX"/>
-          </a:p>
-          <a:p>
-            <a:endParaRPr lang="es-MX"/>
-          </a:p>
-          <a:p>
-            <a:r>
-              <a:rPr lang="es-MX"/>
-              <a:t>Asesores:</a:t>
-            </a:r>
-          </a:p>
-          <a:p>
-            <a:r>
-              <a:rPr lang="es-MX"/>
-              <a:t>Ing. Arturo Alonso Hit Espinosa</a:t>
-            </a:r>
-          </a:p>
-          <a:p>
-            <a:r>
-              <a:rPr lang="es-MX"/>
-              <a:t>Ing. Guillermo Manuel Escárcega Carrera</a:t>
-            </a:r>
+              <a:rPr lang="es-MX" dirty="0"/>
+              <a:t>Integrante</a:t>
+            </a:r>
+          </a:p>
+          <a:p>
+            <a:endParaRPr lang="es-MX" dirty="0"/>
+          </a:p>
+          <a:p>
+            <a:r>
+              <a:rPr lang="es-MX" dirty="0"/>
+              <a:t>César Rodríguez Calderón</a:t>
+            </a:r>
+          </a:p>
+          <a:p>
+            <a:endParaRPr lang="es-MX" dirty="0"/>
+          </a:p>
+          <a:p>
+            <a:endParaRPr lang="es-MX" dirty="0"/>
+          </a:p>
+          <a:p>
             <a:endParaRPr lang="es-MX" dirty="0"/>
           </a:p>
         </p:txBody>
@@ -4636,7 +4631,7 @@
         </p:spPr>
         <p:txBody>
           <a:bodyPr>
-            <a:normAutofit/>
+            <a:normAutofit fontScale="90000"/>
           </a:bodyPr>
           <a:lstStyle/>
           <a:p>
@@ -4645,7 +4640,7 @@
                 <a:latin typeface="Arial" panose="020B0604020202020204" pitchFamily="34" charset="0"/>
                 <a:cs typeface="Arial" panose="020B0604020202020204" pitchFamily="34" charset="0"/>
               </a:rPr>
-              <a:t>ETRUCTURAS DE DATOS</a:t>
+              <a:t>ESTRUCTURAS DE DATOS</a:t>
             </a:r>
             <a:br>
               <a:rPr lang="es-MX" sz="4100" dirty="0">
@@ -4822,41 +4817,32 @@
       </p:sp>
       <p:pic>
         <p:nvPicPr>
-          <p:cNvPr id="7" name="Imagen 6">
-            <a:extLst>
-              <a:ext uri="{FF2B5EF4-FFF2-40B4-BE49-F238E27FC236}">
-                <a16:creationId xmlns:a16="http://schemas.microsoft.com/office/drawing/2014/main" id="{51485E4D-F59C-4D55-B64C-8FA34AC7BE25}"/>
-              </a:ext>
-            </a:extLst>
-          </p:cNvPr>
-          <p:cNvPicPr/>
+          <p:cNvPr id="5" name="Imagen 4">
+            <a:extLst>
+              <a:ext uri="{FF2B5EF4-FFF2-40B4-BE49-F238E27FC236}">
+                <a16:creationId xmlns:a16="http://schemas.microsoft.com/office/drawing/2014/main" id="{7479DF1D-4E6B-413F-A085-0F7696475802}"/>
+              </a:ext>
+            </a:extLst>
+          </p:cNvPr>
+          <p:cNvPicPr>
+            <a:picLocks noChangeAspect="1"/>
+          </p:cNvPicPr>
           <p:nvPr/>
         </p:nvPicPr>
         <p:blipFill>
-          <a:blip r:embed="rId2" cstate="print">
-            <a:extLst>
-              <a:ext uri="{28A0092B-C50C-407E-A947-70E740481C1C}">
-                <a14:useLocalDpi xmlns:a14="http://schemas.microsoft.com/office/drawing/2010/main" val="0"/>
-              </a:ext>
-            </a:extLst>
-          </a:blip>
-          <a:srcRect/>
+          <a:blip r:embed="rId2"/>
           <a:stretch>
             <a:fillRect/>
           </a:stretch>
         </p:blipFill>
-        <p:spPr bwMode="auto">
+        <p:spPr>
           <a:xfrm>
-            <a:off x="221193" y="2455526"/>
-            <a:ext cx="7335782" cy="3735724"/>
+            <a:off x="173275" y="2671040"/>
+            <a:ext cx="7296150" cy="3695700"/>
           </a:xfrm>
           <a:prstGeom prst="rect">
             <a:avLst/>
           </a:prstGeom>
-          <a:noFill/>
-          <a:ln>
-            <a:noFill/>
-          </a:ln>
         </p:spPr>
       </p:pic>
     </p:spTree>
@@ -6261,41 +6247,32 @@
       </p:sp>
       <p:pic>
         <p:nvPicPr>
-          <p:cNvPr id="5" name="Imagen 4">
-            <a:extLst>
-              <a:ext uri="{FF2B5EF4-FFF2-40B4-BE49-F238E27FC236}">
-                <a16:creationId xmlns:a16="http://schemas.microsoft.com/office/drawing/2014/main" id="{B5E15C96-EDE9-4144-B088-96F336BD5FB6}"/>
-              </a:ext>
-            </a:extLst>
-          </p:cNvPr>
-          <p:cNvPicPr/>
+          <p:cNvPr id="6" name="Imagen 5">
+            <a:extLst>
+              <a:ext uri="{FF2B5EF4-FFF2-40B4-BE49-F238E27FC236}">
+                <a16:creationId xmlns:a16="http://schemas.microsoft.com/office/drawing/2014/main" id="{401FD21C-B1C3-43A7-8186-BFB4E1D8EEA8}"/>
+              </a:ext>
+            </a:extLst>
+          </p:cNvPr>
+          <p:cNvPicPr>
+            <a:picLocks noChangeAspect="1"/>
+          </p:cNvPicPr>
           <p:nvPr/>
         </p:nvPicPr>
         <p:blipFill>
-          <a:blip r:embed="rId2">
-            <a:extLst>
-              <a:ext uri="{28A0092B-C50C-407E-A947-70E740481C1C}">
-                <a14:useLocalDpi xmlns:a14="http://schemas.microsoft.com/office/drawing/2010/main" val="0"/>
-              </a:ext>
-            </a:extLst>
-          </a:blip>
-          <a:srcRect/>
+          <a:blip r:embed="rId2"/>
           <a:stretch>
             <a:fillRect/>
           </a:stretch>
         </p:blipFill>
-        <p:spPr bwMode="auto">
+        <p:spPr>
           <a:xfrm>
-            <a:off x="3617558" y="1265947"/>
-            <a:ext cx="8628172" cy="5087228"/>
+            <a:off x="3590925" y="1193076"/>
+            <a:ext cx="8601075" cy="5057775"/>
           </a:xfrm>
           <a:prstGeom prst="rect">
             <a:avLst/>
           </a:prstGeom>
-          <a:noFill/>
-          <a:ln>
-            <a:noFill/>
-          </a:ln>
         </p:spPr>
       </p:pic>
     </p:spTree>
@@ -6312,6 +6289,572 @@
 </file>
 
 <file path=ppt/slides/slide14.xml><?xml version="1.0" encoding="utf-8"?>
+<p:sld xmlns:a="http://schemas.openxmlformats.org/drawingml/2006/main" xmlns:r="http://schemas.openxmlformats.org/officeDocument/2006/relationships" xmlns:p="http://schemas.openxmlformats.org/presentationml/2006/main">
+  <p:cSld>
+    <p:spTree>
+      <p:nvGrpSpPr>
+        <p:cNvPr id="1" name=""/>
+        <p:cNvGrpSpPr/>
+        <p:nvPr/>
+      </p:nvGrpSpPr>
+      <p:grpSpPr>
+        <a:xfrm>
+          <a:off x="0" y="0"/>
+          <a:ext cx="0" cy="0"/>
+          <a:chOff x="0" y="0"/>
+          <a:chExt cx="0" cy="0"/>
+        </a:xfrm>
+      </p:grpSpPr>
+      <p:sp>
+        <p:nvSpPr>
+          <p:cNvPr id="2" name="Título 1">
+            <a:extLst>
+              <a:ext uri="{FF2B5EF4-FFF2-40B4-BE49-F238E27FC236}">
+                <a16:creationId xmlns:a16="http://schemas.microsoft.com/office/drawing/2014/main" id="{419CBEB2-36C5-444D-A099-DCC724632745}"/>
+              </a:ext>
+            </a:extLst>
+          </p:cNvPr>
+          <p:cNvSpPr>
+            <a:spLocks noGrp="1"/>
+          </p:cNvSpPr>
+          <p:nvPr>
+            <p:ph type="title"/>
+          </p:nvPr>
+        </p:nvSpPr>
+        <p:spPr/>
+        <p:txBody>
+          <a:bodyPr>
+            <a:normAutofit/>
+          </a:bodyPr>
+          <a:lstStyle/>
+          <a:p>
+            <a:r>
+              <a:rPr lang="es-MX" sz="3600" b="1" dirty="0">
+                <a:latin typeface="Arial" panose="020B0604020202020204" pitchFamily="34" charset="0"/>
+                <a:cs typeface="Arial" panose="020B0604020202020204" pitchFamily="34" charset="0"/>
+              </a:rPr>
+              <a:t>Análisis Económico</a:t>
+            </a:r>
+          </a:p>
+        </p:txBody>
+      </p:sp>
+      <p:graphicFrame>
+        <p:nvGraphicFramePr>
+          <p:cNvPr id="4" name="Tabla 4">
+            <a:extLst>
+              <a:ext uri="{FF2B5EF4-FFF2-40B4-BE49-F238E27FC236}">
+                <a16:creationId xmlns:a16="http://schemas.microsoft.com/office/drawing/2014/main" id="{339D5A08-1FA7-4D2A-8673-5E04BCAA6CDE}"/>
+              </a:ext>
+            </a:extLst>
+          </p:cNvPr>
+          <p:cNvGraphicFramePr>
+            <a:graphicFrameLocks noGrp="1"/>
+          </p:cNvGraphicFramePr>
+          <p:nvPr>
+            <p:ph idx="1"/>
+            <p:extLst>
+              <p:ext uri="{D42A27DB-BD31-4B8C-83A1-F6EECF244321}">
+                <p14:modId xmlns:p14="http://schemas.microsoft.com/office/powerpoint/2010/main" val="1915542186"/>
+              </p:ext>
+            </p:extLst>
+          </p:nvPr>
+        </p:nvGraphicFramePr>
+        <p:xfrm>
+          <a:off x="838203" y="1887767"/>
+          <a:ext cx="10515597" cy="2103120"/>
+        </p:xfrm>
+        <a:graphic>
+          <a:graphicData uri="http://schemas.openxmlformats.org/drawingml/2006/table">
+            <a:tbl>
+              <a:tblPr firstRow="1" bandRow="1">
+                <a:tableStyleId>{5C22544A-7EE6-4342-B048-85BDC9FD1C3A}</a:tableStyleId>
+              </a:tblPr>
+              <a:tblGrid>
+                <a:gridCol w="3505199">
+                  <a:extLst>
+                    <a:ext uri="{9D8B030D-6E8A-4147-A177-3AD203B41FA5}">
+                      <a16:colId xmlns:a16="http://schemas.microsoft.com/office/drawing/2014/main" val="1210047309"/>
+                    </a:ext>
+                  </a:extLst>
+                </a:gridCol>
+                <a:gridCol w="3505199">
+                  <a:extLst>
+                    <a:ext uri="{9D8B030D-6E8A-4147-A177-3AD203B41FA5}">
+                      <a16:colId xmlns:a16="http://schemas.microsoft.com/office/drawing/2014/main" val="909873749"/>
+                    </a:ext>
+                  </a:extLst>
+                </a:gridCol>
+                <a:gridCol w="3505199">
+                  <a:extLst>
+                    <a:ext uri="{9D8B030D-6E8A-4147-A177-3AD203B41FA5}">
+                      <a16:colId xmlns:a16="http://schemas.microsoft.com/office/drawing/2014/main" val="688017912"/>
+                    </a:ext>
+                  </a:extLst>
+                </a:gridCol>
+              </a:tblGrid>
+              <a:tr h="267967">
+                <a:tc>
+                  <a:txBody>
+                    <a:bodyPr/>
+                    <a:lstStyle/>
+                    <a:p>
+                      <a:r>
+                        <a:rPr lang="es-MX" dirty="0">
+                          <a:solidFill>
+                            <a:srgbClr val="FFFF00"/>
+                          </a:solidFill>
+                        </a:rPr>
+                        <a:t>Perfil</a:t>
+                      </a:r>
+                    </a:p>
+                  </a:txBody>
+                  <a:tcPr/>
+                </a:tc>
+                <a:tc>
+                  <a:txBody>
+                    <a:bodyPr/>
+                    <a:lstStyle/>
+                    <a:p>
+                      <a:r>
+                        <a:rPr lang="es-MX" dirty="0">
+                          <a:solidFill>
+                            <a:srgbClr val="FFFF00"/>
+                          </a:solidFill>
+                        </a:rPr>
+                        <a:t>Tiempo</a:t>
+                      </a:r>
+                    </a:p>
+                  </a:txBody>
+                  <a:tcPr/>
+                </a:tc>
+                <a:tc>
+                  <a:txBody>
+                    <a:bodyPr/>
+                    <a:lstStyle/>
+                    <a:p>
+                      <a:r>
+                        <a:rPr lang="es-MX" dirty="0">
+                          <a:solidFill>
+                            <a:srgbClr val="FFFF00"/>
+                          </a:solidFill>
+                        </a:rPr>
+                        <a:t>Costo</a:t>
+                      </a:r>
+                    </a:p>
+                  </a:txBody>
+                  <a:tcPr/>
+                </a:tc>
+                <a:extLst>
+                  <a:ext uri="{0D108BD9-81ED-4DB2-BD59-A6C34878D82A}">
+                    <a16:rowId xmlns:a16="http://schemas.microsoft.com/office/drawing/2014/main" val="3432406206"/>
+                  </a:ext>
+                </a:extLst>
+              </a:tr>
+              <a:tr h="267967">
+                <a:tc>
+                  <a:txBody>
+                    <a:bodyPr/>
+                    <a:lstStyle/>
+                    <a:p>
+                      <a:r>
+                        <a:rPr lang="es-MX" dirty="0"/>
+                        <a:t>Desarrollador </a:t>
+                      </a:r>
+                      <a:r>
+                        <a:rPr lang="es-MX" dirty="0" err="1"/>
+                        <a:t>MuleSoft</a:t>
+                      </a:r>
+                      <a:r>
+                        <a:rPr lang="es-MX" dirty="0"/>
+                        <a:t> Junior</a:t>
+                      </a:r>
+                    </a:p>
+                  </a:txBody>
+                  <a:tcPr/>
+                </a:tc>
+                <a:tc>
+                  <a:txBody>
+                    <a:bodyPr/>
+                    <a:lstStyle/>
+                    <a:p>
+                      <a:r>
+                        <a:rPr lang="es-MX" dirty="0"/>
+                        <a:t>1 mes</a:t>
+                      </a:r>
+                    </a:p>
+                  </a:txBody>
+                  <a:tcPr/>
+                </a:tc>
+                <a:tc>
+                  <a:txBody>
+                    <a:bodyPr/>
+                    <a:lstStyle/>
+                    <a:p>
+                      <a:r>
+                        <a:rPr lang="es-MX" dirty="0"/>
+                        <a:t>18 000 m.n.</a:t>
+                      </a:r>
+                    </a:p>
+                  </a:txBody>
+                  <a:tcPr/>
+                </a:tc>
+                <a:extLst>
+                  <a:ext uri="{0D108BD9-81ED-4DB2-BD59-A6C34878D82A}">
+                    <a16:rowId xmlns:a16="http://schemas.microsoft.com/office/drawing/2014/main" val="991567531"/>
+                  </a:ext>
+                </a:extLst>
+              </a:tr>
+              <a:tr h="267967">
+                <a:tc>
+                  <a:txBody>
+                    <a:bodyPr/>
+                    <a:lstStyle/>
+                    <a:p>
+                      <a:r>
+                        <a:rPr lang="es-MX" dirty="0"/>
+                        <a:t>Desarrollador </a:t>
+                      </a:r>
+                      <a:r>
+                        <a:rPr lang="es-MX" dirty="0" err="1"/>
+                        <a:t>Frontend</a:t>
+                      </a:r>
+                      <a:endParaRPr lang="es-MX" dirty="0"/>
+                    </a:p>
+                  </a:txBody>
+                  <a:tcPr/>
+                </a:tc>
+                <a:tc>
+                  <a:txBody>
+                    <a:bodyPr/>
+                    <a:lstStyle/>
+                    <a:p>
+                      <a:r>
+                        <a:rPr lang="es-MX" dirty="0"/>
+                        <a:t>2 Semanas</a:t>
+                      </a:r>
+                    </a:p>
+                  </a:txBody>
+                  <a:tcPr/>
+                </a:tc>
+                <a:tc>
+                  <a:txBody>
+                    <a:bodyPr/>
+                    <a:lstStyle/>
+                    <a:p>
+                      <a:r>
+                        <a:rPr lang="es-MX" dirty="0"/>
+                        <a:t>11 000 m.n.</a:t>
+                      </a:r>
+                    </a:p>
+                  </a:txBody>
+                  <a:tcPr/>
+                </a:tc>
+                <a:extLst>
+                  <a:ext uri="{0D108BD9-81ED-4DB2-BD59-A6C34878D82A}">
+                    <a16:rowId xmlns:a16="http://schemas.microsoft.com/office/drawing/2014/main" val="3391109225"/>
+                  </a:ext>
+                </a:extLst>
+              </a:tr>
+              <a:tr h="268389">
+                <a:tc>
+                  <a:txBody>
+                    <a:bodyPr/>
+                    <a:lstStyle/>
+                    <a:p>
+                      <a:r>
+                        <a:rPr lang="es-MX" dirty="0"/>
+                        <a:t>Desarrollador de Base de Datos</a:t>
+                      </a:r>
+                    </a:p>
+                  </a:txBody>
+                  <a:tcPr/>
+                </a:tc>
+                <a:tc>
+                  <a:txBody>
+                    <a:bodyPr/>
+                    <a:lstStyle/>
+                    <a:p>
+                      <a:r>
+                        <a:rPr lang="es-MX" dirty="0"/>
+                        <a:t>2 Semanas</a:t>
+                      </a:r>
+                    </a:p>
+                  </a:txBody>
+                  <a:tcPr/>
+                </a:tc>
+                <a:tc>
+                  <a:txBody>
+                    <a:bodyPr/>
+                    <a:lstStyle/>
+                    <a:p>
+                      <a:r>
+                        <a:rPr lang="es-MX" dirty="0"/>
+                        <a:t>10 000 m.n.</a:t>
+                      </a:r>
+                    </a:p>
+                  </a:txBody>
+                  <a:tcPr/>
+                </a:tc>
+                <a:extLst>
+                  <a:ext uri="{0D108BD9-81ED-4DB2-BD59-A6C34878D82A}">
+                    <a16:rowId xmlns:a16="http://schemas.microsoft.com/office/drawing/2014/main" val="2889177569"/>
+                  </a:ext>
+                </a:extLst>
+              </a:tr>
+              <a:tr h="468942">
+                <a:tc>
+                  <a:txBody>
+                    <a:bodyPr/>
+                    <a:lstStyle/>
+                    <a:p>
+                      <a:endParaRPr lang="es-MX" dirty="0"/>
+                    </a:p>
+                  </a:txBody>
+                  <a:tcPr/>
+                </a:tc>
+                <a:tc>
+                  <a:txBody>
+                    <a:bodyPr/>
+                    <a:lstStyle/>
+                    <a:p>
+                      <a:pPr marL="0" marR="0" lvl="0" indent="0" algn="l" defTabSz="914400" rtl="0" eaLnBrk="1" fontAlgn="auto" latinLnBrk="0" hangingPunct="1">
+                        <a:lnSpc>
+                          <a:spcPct val="100000"/>
+                        </a:lnSpc>
+                        <a:spcBef>
+                          <a:spcPts val="0"/>
+                        </a:spcBef>
+                        <a:spcAft>
+                          <a:spcPts val="0"/>
+                        </a:spcAft>
+                        <a:buClrTx/>
+                        <a:buSzTx/>
+                        <a:buFontTx/>
+                        <a:buNone/>
+                        <a:tabLst/>
+                        <a:defRPr/>
+                      </a:pPr>
+                      <a:r>
+                        <a:rPr lang="es-MX" dirty="0"/>
+                        <a:t>2 meses</a:t>
+                      </a:r>
+                    </a:p>
+                    <a:p>
+                      <a:endParaRPr lang="es-MX" dirty="0"/>
+                    </a:p>
+                  </a:txBody>
+                  <a:tcPr/>
+                </a:tc>
+                <a:tc>
+                  <a:txBody>
+                    <a:bodyPr/>
+                    <a:lstStyle/>
+                    <a:p>
+                      <a:pPr marL="0" marR="0" lvl="0" indent="0" algn="l" defTabSz="914400" rtl="0" eaLnBrk="1" fontAlgn="auto" latinLnBrk="0" hangingPunct="1">
+                        <a:lnSpc>
+                          <a:spcPct val="100000"/>
+                        </a:lnSpc>
+                        <a:spcBef>
+                          <a:spcPts val="0"/>
+                        </a:spcBef>
+                        <a:spcAft>
+                          <a:spcPts val="0"/>
+                        </a:spcAft>
+                        <a:buClrTx/>
+                        <a:buSzTx/>
+                        <a:buFontTx/>
+                        <a:buNone/>
+                        <a:tabLst/>
+                        <a:defRPr/>
+                      </a:pPr>
+                      <a:r>
+                        <a:rPr lang="es-MX" dirty="0"/>
+                        <a:t>39 000 m.n.</a:t>
+                      </a:r>
+                    </a:p>
+                    <a:p>
+                      <a:endParaRPr lang="es-MX" dirty="0"/>
+                    </a:p>
+                  </a:txBody>
+                  <a:tcPr/>
+                </a:tc>
+                <a:extLst>
+                  <a:ext uri="{0D108BD9-81ED-4DB2-BD59-A6C34878D82A}">
+                    <a16:rowId xmlns:a16="http://schemas.microsoft.com/office/drawing/2014/main" val="1403433740"/>
+                  </a:ext>
+                </a:extLst>
+              </a:tr>
+            </a:tbl>
+          </a:graphicData>
+        </a:graphic>
+      </p:graphicFrame>
+    </p:spTree>
+    <p:extLst>
+      <p:ext uri="{BB962C8B-B14F-4D97-AF65-F5344CB8AC3E}">
+        <p14:creationId xmlns:p14="http://schemas.microsoft.com/office/powerpoint/2010/main" val="2376064531"/>
+      </p:ext>
+    </p:extLst>
+  </p:cSld>
+  <p:clrMapOvr>
+    <a:masterClrMapping/>
+  </p:clrMapOvr>
+</p:sld>
+</file>
+
+<file path=ppt/slides/slide15.xml><?xml version="1.0" encoding="utf-8"?>
+<p:sld xmlns:a="http://schemas.openxmlformats.org/drawingml/2006/main" xmlns:r="http://schemas.openxmlformats.org/officeDocument/2006/relationships" xmlns:p="http://schemas.openxmlformats.org/presentationml/2006/main">
+  <p:cSld>
+    <p:spTree>
+      <p:nvGrpSpPr>
+        <p:cNvPr id="1" name=""/>
+        <p:cNvGrpSpPr/>
+        <p:nvPr/>
+      </p:nvGrpSpPr>
+      <p:grpSpPr>
+        <a:xfrm>
+          <a:off x="0" y="0"/>
+          <a:ext cx="0" cy="0"/>
+          <a:chOff x="0" y="0"/>
+          <a:chExt cx="0" cy="0"/>
+        </a:xfrm>
+      </p:grpSpPr>
+      <p:sp>
+        <p:nvSpPr>
+          <p:cNvPr id="2" name="Título 1">
+            <a:extLst>
+              <a:ext uri="{FF2B5EF4-FFF2-40B4-BE49-F238E27FC236}">
+                <a16:creationId xmlns:a16="http://schemas.microsoft.com/office/drawing/2014/main" id="{C19C754B-2B5D-4D0F-A194-F02913056840}"/>
+              </a:ext>
+            </a:extLst>
+          </p:cNvPr>
+          <p:cNvSpPr>
+            <a:spLocks noGrp="1"/>
+          </p:cNvSpPr>
+          <p:nvPr>
+            <p:ph type="title"/>
+          </p:nvPr>
+        </p:nvSpPr>
+        <p:spPr>
+          <a:xfrm>
+            <a:off x="838200" y="767086"/>
+            <a:ext cx="10515600" cy="1170712"/>
+          </a:xfrm>
+        </p:spPr>
+        <p:txBody>
+          <a:bodyPr>
+            <a:normAutofit fontScale="90000"/>
+          </a:bodyPr>
+          <a:lstStyle/>
+          <a:p>
+            <a:r>
+              <a:rPr lang="es-MX" b="1" dirty="0">
+                <a:solidFill>
+                  <a:srgbClr val="16212F"/>
+                </a:solidFill>
+                <a:effectLst/>
+              </a:rPr>
+              <a:t>Conclusión</a:t>
+            </a:r>
+            <a:br>
+              <a:rPr lang="es-MX" b="1" dirty="0"/>
+            </a:br>
+            <a:endParaRPr lang="es-MX" dirty="0"/>
+          </a:p>
+        </p:txBody>
+      </p:sp>
+      <p:sp>
+        <p:nvSpPr>
+          <p:cNvPr id="3" name="Marcador de contenido 2">
+            <a:extLst>
+              <a:ext uri="{FF2B5EF4-FFF2-40B4-BE49-F238E27FC236}">
+                <a16:creationId xmlns:a16="http://schemas.microsoft.com/office/drawing/2014/main" id="{83CB34CC-D95B-4F97-975B-D2E03BD980F8}"/>
+              </a:ext>
+            </a:extLst>
+          </p:cNvPr>
+          <p:cNvSpPr>
+            <a:spLocks noGrp="1"/>
+          </p:cNvSpPr>
+          <p:nvPr>
+            <p:ph idx="1"/>
+          </p:nvPr>
+        </p:nvSpPr>
+        <p:spPr>
+          <a:xfrm>
+            <a:off x="838200" y="1937798"/>
+            <a:ext cx="10515600" cy="2426779"/>
+          </a:xfrm>
+          <a:solidFill>
+            <a:schemeClr val="accent1"/>
+          </a:solidFill>
+        </p:spPr>
+        <p:txBody>
+          <a:bodyPr/>
+          <a:lstStyle/>
+          <a:p>
+            <a:pPr marL="0" indent="0">
+              <a:buNone/>
+            </a:pPr>
+            <a:r>
+              <a:rPr lang="es-MX" dirty="0" err="1">
+                <a:solidFill>
+                  <a:srgbClr val="FFFF00"/>
+                </a:solidFill>
+                <a:effectLst/>
+              </a:rPr>
+              <a:t>MuleSoft</a:t>
+            </a:r>
+            <a:r>
+              <a:rPr lang="es-MX" dirty="0">
+                <a:solidFill>
+                  <a:srgbClr val="FFFF00"/>
+                </a:solidFill>
+                <a:effectLst/>
+              </a:rPr>
+              <a:t> es la herramienta perfecta para la orquestación de las comunicaciones entre múltiples sistemas, permite disponer de un </a:t>
+            </a:r>
+            <a:r>
+              <a:rPr lang="es-MX" b="1" dirty="0">
+                <a:solidFill>
+                  <a:srgbClr val="FFFF00"/>
+                </a:solidFill>
+                <a:effectLst/>
+              </a:rPr>
+              <a:t>punto común donde gestionar todas las integraciones</a:t>
+            </a:r>
+            <a:r>
+              <a:rPr lang="es-MX" dirty="0">
+                <a:solidFill>
+                  <a:srgbClr val="FFFF00"/>
+                </a:solidFill>
+                <a:effectLst/>
+              </a:rPr>
+              <a:t> de nuestro ecosistema de aplicaciones sin necesidad de tener conocimientos técnicos avanzados, abstrayéndose en cierta medida, de la tecnología utilizada.</a:t>
+            </a:r>
+            <a:endParaRPr lang="es-MX" dirty="0">
+              <a:solidFill>
+                <a:srgbClr val="FFFF00"/>
+              </a:solidFill>
+            </a:endParaRPr>
+          </a:p>
+          <a:p>
+            <a:endParaRPr lang="es-MX" dirty="0"/>
+          </a:p>
+        </p:txBody>
+      </p:sp>
+    </p:spTree>
+    <p:extLst>
+      <p:ext uri="{BB962C8B-B14F-4D97-AF65-F5344CB8AC3E}">
+        <p14:creationId xmlns:p14="http://schemas.microsoft.com/office/powerpoint/2010/main" val="3814367451"/>
+      </p:ext>
+    </p:extLst>
+  </p:cSld>
+  <p:clrMapOvr>
+    <a:masterClrMapping/>
+  </p:clrMapOvr>
+</p:sld>
+</file>
+
+<file path=ppt/slides/slide16.xml><?xml version="1.0" encoding="utf-8"?>
 <p:sld xmlns:a="http://schemas.openxmlformats.org/drawingml/2006/main" xmlns:r="http://schemas.openxmlformats.org/officeDocument/2006/relationships" xmlns:p="http://schemas.openxmlformats.org/presentationml/2006/main">
   <p:cSld>
     <p:spTree>
@@ -6896,7 +7439,7 @@
         </p:blipFill>
         <p:spPr bwMode="auto">
           <a:xfrm>
-            <a:off x="576495" y="2467401"/>
+            <a:off x="768032" y="2466475"/>
             <a:ext cx="1160865" cy="1024411"/>
           </a:xfrm>
           <a:prstGeom prst="rect">
@@ -7403,16 +7946,49 @@
         </p:blipFill>
         <p:spPr bwMode="auto">
           <a:xfrm>
-            <a:off x="5369495" y="5393323"/>
+            <a:off x="5365614" y="5409387"/>
             <a:ext cx="858918" cy="1189272"/>
           </a:xfrm>
           <a:prstGeom prst="rect">
             <a:avLst/>
           </a:prstGeom>
-          <a:noFill/>
+          <a:blipFill>
+            <a:blip r:embed="rId16"/>
+            <a:tile tx="0" ty="0" sx="100000" sy="100000" flip="none" algn="tl"/>
+          </a:blipFill>
           <a:ln>
             <a:noFill/>
           </a:ln>
+        </p:spPr>
+      </p:pic>
+      <p:pic>
+        <p:nvPicPr>
+          <p:cNvPr id="4" name="Imagen 3">
+            <a:extLst>
+              <a:ext uri="{FF2B5EF4-FFF2-40B4-BE49-F238E27FC236}">
+                <a16:creationId xmlns:a16="http://schemas.microsoft.com/office/drawing/2014/main" id="{432CB115-9A65-4104-A124-A3714CAA46CD}"/>
+              </a:ext>
+            </a:extLst>
+          </p:cNvPr>
+          <p:cNvPicPr>
+            <a:picLocks noChangeAspect="1"/>
+          </p:cNvPicPr>
+          <p:nvPr/>
+        </p:nvPicPr>
+        <p:blipFill>
+          <a:blip r:embed="rId17"/>
+          <a:stretch>
+            <a:fillRect/>
+          </a:stretch>
+        </p:blipFill>
+        <p:spPr>
+          <a:xfrm>
+            <a:off x="682693" y="2456161"/>
+            <a:ext cx="10925175" cy="4229100"/>
+          </a:xfrm>
+          <a:prstGeom prst="rect">
+            <a:avLst/>
+          </a:prstGeom>
         </p:spPr>
       </p:pic>
     </p:spTree>
@@ -7483,21 +8059,44 @@
           </a:p>
         </p:txBody>
       </p:sp>
+      <p:sp>
+        <p:nvSpPr>
+          <p:cNvPr id="4" name="Marcador de contenido 3">
+            <a:extLst>
+              <a:ext uri="{FF2B5EF4-FFF2-40B4-BE49-F238E27FC236}">
+                <a16:creationId xmlns:a16="http://schemas.microsoft.com/office/drawing/2014/main" id="{636782D3-5CE4-4776-89CE-4985A547A875}"/>
+              </a:ext>
+            </a:extLst>
+          </p:cNvPr>
+          <p:cNvSpPr>
+            <a:spLocks noGrp="1"/>
+          </p:cNvSpPr>
+          <p:nvPr>
+            <p:ph idx="1"/>
+          </p:nvPr>
+        </p:nvSpPr>
+        <p:spPr/>
+        <p:txBody>
+          <a:bodyPr/>
+          <a:lstStyle/>
+          <a:p>
+            <a:endParaRPr lang="es-MX"/>
+          </a:p>
+        </p:txBody>
+      </p:sp>
       <p:pic>
         <p:nvPicPr>
-          <p:cNvPr id="5" name="Marcador de contenido 4">
-            <a:extLst>
-              <a:ext uri="{FF2B5EF4-FFF2-40B4-BE49-F238E27FC236}">
-                <a16:creationId xmlns:a16="http://schemas.microsoft.com/office/drawing/2014/main" id="{C154564C-89C8-4BC1-8197-A875EAC27356}"/>
+          <p:cNvPr id="9" name="Imagen 8">
+            <a:extLst>
+              <a:ext uri="{FF2B5EF4-FFF2-40B4-BE49-F238E27FC236}">
+                <a16:creationId xmlns:a16="http://schemas.microsoft.com/office/drawing/2014/main" id="{77FE7C34-10F7-45D5-9516-648C74996897}"/>
               </a:ext>
             </a:extLst>
           </p:cNvPr>
           <p:cNvPicPr>
-            <a:picLocks noGrp="1" noChangeAspect="1"/>
+            <a:picLocks noChangeAspect="1"/>
           </p:cNvPicPr>
-          <p:nvPr>
-            <p:ph idx="1"/>
-          </p:nvPr>
+          <p:nvPr/>
         </p:nvPicPr>
         <p:blipFill>
           <a:blip r:embed="rId2"/>
@@ -7507,9 +8106,12 @@
         </p:blipFill>
         <p:spPr>
           <a:xfrm>
-            <a:off x="904875" y="1690688"/>
-            <a:ext cx="10382250" cy="4510390"/>
+            <a:off x="690562" y="1690688"/>
+            <a:ext cx="10810875" cy="4457700"/>
           </a:xfrm>
+          <a:prstGeom prst="rect">
+            <a:avLst/>
+          </a:prstGeom>
         </p:spPr>
       </p:pic>
     </p:spTree>
@@ -7542,12 +8144,54 @@
           <a:chExt cx="0" cy="0"/>
         </a:xfrm>
       </p:grpSpPr>
+      <p:sp>
+        <p:nvSpPr>
+          <p:cNvPr id="3" name="Título 1">
+            <a:extLst>
+              <a:ext uri="{FF2B5EF4-FFF2-40B4-BE49-F238E27FC236}">
+                <a16:creationId xmlns:a16="http://schemas.microsoft.com/office/drawing/2014/main" id="{4A1905D5-5ADC-465C-A6A4-07026BBFB538}"/>
+              </a:ext>
+            </a:extLst>
+          </p:cNvPr>
+          <p:cNvSpPr>
+            <a:spLocks noGrp="1"/>
+          </p:cNvSpPr>
+          <p:nvPr>
+            <p:ph type="title"/>
+          </p:nvPr>
+        </p:nvSpPr>
+        <p:spPr>
+          <a:xfrm>
+            <a:off x="838200" y="365125"/>
+            <a:ext cx="10515600" cy="1325563"/>
+          </a:xfrm>
+        </p:spPr>
+        <p:txBody>
+          <a:bodyPr>
+            <a:normAutofit/>
+          </a:bodyPr>
+          <a:lstStyle/>
+          <a:p>
+            <a:r>
+              <a:rPr lang="es-MX" sz="3200" b="1" dirty="0">
+                <a:latin typeface="Arial" panose="020B0604020202020204" pitchFamily="34" charset="0"/>
+                <a:cs typeface="Arial" panose="020B0604020202020204" pitchFamily="34" charset="0"/>
+              </a:rPr>
+              <a:t>Área de oportunidad</a:t>
+            </a:r>
+            <a:endParaRPr lang="es-MX" sz="4000" b="1" dirty="0">
+              <a:latin typeface="Arial" panose="020B0604020202020204" pitchFamily="34" charset="0"/>
+              <a:cs typeface="Arial" panose="020B0604020202020204" pitchFamily="34" charset="0"/>
+            </a:endParaRPr>
+          </a:p>
+        </p:txBody>
+      </p:sp>
       <p:pic>
         <p:nvPicPr>
-          <p:cNvPr id="9" name="Imagen 8">
-            <a:extLst>
-              <a:ext uri="{FF2B5EF4-FFF2-40B4-BE49-F238E27FC236}">
-                <a16:creationId xmlns:a16="http://schemas.microsoft.com/office/drawing/2014/main" id="{0AA9C0F7-9452-4719-B467-DF198974E3F3}"/>
+          <p:cNvPr id="4" name="Imagen 3">
+            <a:extLst>
+              <a:ext uri="{FF2B5EF4-FFF2-40B4-BE49-F238E27FC236}">
+                <a16:creationId xmlns:a16="http://schemas.microsoft.com/office/drawing/2014/main" id="{7ECBDC5C-5ED3-42AA-9202-F19D3EBEA68D}"/>
               </a:ext>
             </a:extLst>
           </p:cNvPr>
@@ -7564,56 +8208,14 @@
         </p:blipFill>
         <p:spPr>
           <a:xfrm>
-            <a:off x="762000" y="1505816"/>
-            <a:ext cx="10668000" cy="4651169"/>
+            <a:off x="838200" y="1605791"/>
+            <a:ext cx="10658475" cy="4600575"/>
           </a:xfrm>
           <a:prstGeom prst="rect">
             <a:avLst/>
           </a:prstGeom>
         </p:spPr>
       </p:pic>
-      <p:sp>
-        <p:nvSpPr>
-          <p:cNvPr id="3" name="Título 1">
-            <a:extLst>
-              <a:ext uri="{FF2B5EF4-FFF2-40B4-BE49-F238E27FC236}">
-                <a16:creationId xmlns:a16="http://schemas.microsoft.com/office/drawing/2014/main" id="{4A1905D5-5ADC-465C-A6A4-07026BBFB538}"/>
-              </a:ext>
-            </a:extLst>
-          </p:cNvPr>
-          <p:cNvSpPr>
-            <a:spLocks noGrp="1"/>
-          </p:cNvSpPr>
-          <p:nvPr>
-            <p:ph type="title"/>
-          </p:nvPr>
-        </p:nvSpPr>
-        <p:spPr>
-          <a:xfrm>
-            <a:off x="838200" y="365125"/>
-            <a:ext cx="10515600" cy="1325563"/>
-          </a:xfrm>
-        </p:spPr>
-        <p:txBody>
-          <a:bodyPr>
-            <a:normAutofit/>
-          </a:bodyPr>
-          <a:lstStyle/>
-          <a:p>
-            <a:r>
-              <a:rPr lang="es-MX" sz="3200" b="1" dirty="0">
-                <a:latin typeface="Arial" panose="020B0604020202020204" pitchFamily="34" charset="0"/>
-                <a:cs typeface="Arial" panose="020B0604020202020204" pitchFamily="34" charset="0"/>
-              </a:rPr>
-              <a:t>Área de oportunidad</a:t>
-            </a:r>
-            <a:endParaRPr lang="es-MX" sz="4000" b="1" dirty="0">
-              <a:latin typeface="Arial" panose="020B0604020202020204" pitchFamily="34" charset="0"/>
-              <a:cs typeface="Arial" panose="020B0604020202020204" pitchFamily="34" charset="0"/>
-            </a:endParaRPr>
-          </a:p>
-        </p:txBody>
-      </p:sp>
     </p:spTree>
     <p:extLst>
       <p:ext uri="{BB962C8B-B14F-4D97-AF65-F5344CB8AC3E}">
@@ -7644,12 +8246,118 @@
           <a:chExt cx="0" cy="0"/>
         </a:xfrm>
       </p:grpSpPr>
+      <p:sp>
+        <p:nvSpPr>
+          <p:cNvPr id="2" name="Título 1">
+            <a:extLst>
+              <a:ext uri="{FF2B5EF4-FFF2-40B4-BE49-F238E27FC236}">
+                <a16:creationId xmlns:a16="http://schemas.microsoft.com/office/drawing/2014/main" id="{6C059025-58AC-41FF-9A24-0F166E240B2B}"/>
+              </a:ext>
+            </a:extLst>
+          </p:cNvPr>
+          <p:cNvSpPr>
+            <a:spLocks noGrp="1"/>
+          </p:cNvSpPr>
+          <p:nvPr>
+            <p:ph type="title"/>
+          </p:nvPr>
+        </p:nvSpPr>
+        <p:spPr/>
+        <p:txBody>
+          <a:bodyPr/>
+          <a:lstStyle/>
+          <a:p>
+            <a:r>
+              <a:rPr lang="es-MX" b="1" dirty="0">
+                <a:solidFill>
+                  <a:srgbClr val="16212F"/>
+                </a:solidFill>
+                <a:effectLst/>
+              </a:rPr>
+              <a:t>¿qué es la conectividad </a:t>
+            </a:r>
+            <a:r>
+              <a:rPr lang="es-MX" dirty="0">
+                <a:solidFill>
+                  <a:srgbClr val="000000"/>
+                </a:solidFill>
+                <a:effectLst/>
+              </a:rPr>
+              <a:t>API-Led</a:t>
+            </a:r>
+            <a:r>
+              <a:rPr lang="es-MX" b="1" dirty="0">
+                <a:solidFill>
+                  <a:srgbClr val="16212F"/>
+                </a:solidFill>
+                <a:effectLst/>
+              </a:rPr>
+              <a:t>?</a:t>
+            </a:r>
+            <a:br>
+              <a:rPr lang="es-MX" dirty="0"/>
+            </a:br>
+            <a:endParaRPr lang="es-MX" dirty="0"/>
+          </a:p>
+        </p:txBody>
+      </p:sp>
+      <p:sp>
+        <p:nvSpPr>
+          <p:cNvPr id="3" name="Marcador de contenido 2">
+            <a:extLst>
+              <a:ext uri="{FF2B5EF4-FFF2-40B4-BE49-F238E27FC236}">
+                <a16:creationId xmlns:a16="http://schemas.microsoft.com/office/drawing/2014/main" id="{D70C8158-0B96-442C-A94C-6BA172E19AE0}"/>
+              </a:ext>
+            </a:extLst>
+          </p:cNvPr>
+          <p:cNvSpPr>
+            <a:spLocks noGrp="1"/>
+          </p:cNvSpPr>
+          <p:nvPr>
+            <p:ph idx="1"/>
+          </p:nvPr>
+        </p:nvSpPr>
+        <p:spPr>
+          <a:xfrm>
+            <a:off x="72888" y="1027905"/>
+            <a:ext cx="12192000" cy="962819"/>
+          </a:xfrm>
+          <a:solidFill>
+            <a:srgbClr val="0070C0"/>
+          </a:solidFill>
+        </p:spPr>
+        <p:txBody>
+          <a:bodyPr>
+            <a:normAutofit/>
+          </a:bodyPr>
+          <a:lstStyle/>
+          <a:p>
+            <a:pPr marL="0" indent="0">
+              <a:buNone/>
+            </a:pPr>
+            <a:r>
+              <a:rPr lang="es-MX" dirty="0">
+                <a:solidFill>
+                  <a:srgbClr val="FFFF00"/>
+                </a:solidFill>
+                <a:effectLst/>
+              </a:rPr>
+              <a:t>El objetivo principal de la conectividad API-Led es habilitar la integración de flujos para ser reutilizados por la plataforma de integración, agentes internos o externos. </a:t>
+            </a:r>
+            <a:endParaRPr lang="es-MX" dirty="0">
+              <a:solidFill>
+                <a:srgbClr val="FFFF00"/>
+              </a:solidFill>
+            </a:endParaRPr>
+          </a:p>
+        </p:txBody>
+      </p:sp>
       <p:pic>
         <p:nvPicPr>
-          <p:cNvPr id="5" name="Imagen 4">
-            <a:extLst>
-              <a:ext uri="{FF2B5EF4-FFF2-40B4-BE49-F238E27FC236}">
-                <a16:creationId xmlns:a16="http://schemas.microsoft.com/office/drawing/2014/main" id="{4DB9A338-56B0-466B-8E7A-0F801AB6009D}"/>
+          <p:cNvPr id="6" name="Imagen 5">
+            <a:extLst>
+              <a:ext uri="{FF2B5EF4-FFF2-40B4-BE49-F238E27FC236}">
+                <a16:creationId xmlns:a16="http://schemas.microsoft.com/office/drawing/2014/main" id="{6BAF1C6F-E605-4183-92EF-865C078F898E}"/>
               </a:ext>
             </a:extLst>
           </p:cNvPr>
@@ -7666,120 +8374,14 @@
         </p:blipFill>
         <p:spPr>
           <a:xfrm>
-            <a:off x="0" y="1775064"/>
-            <a:ext cx="12192000" cy="5076278"/>
+            <a:off x="0" y="1990724"/>
+            <a:ext cx="12153900" cy="4867275"/>
           </a:xfrm>
           <a:prstGeom prst="rect">
             <a:avLst/>
           </a:prstGeom>
         </p:spPr>
       </p:pic>
-      <p:sp>
-        <p:nvSpPr>
-          <p:cNvPr id="2" name="Título 1">
-            <a:extLst>
-              <a:ext uri="{FF2B5EF4-FFF2-40B4-BE49-F238E27FC236}">
-                <a16:creationId xmlns:a16="http://schemas.microsoft.com/office/drawing/2014/main" id="{6C059025-58AC-41FF-9A24-0F166E240B2B}"/>
-              </a:ext>
-            </a:extLst>
-          </p:cNvPr>
-          <p:cNvSpPr>
-            <a:spLocks noGrp="1"/>
-          </p:cNvSpPr>
-          <p:nvPr>
-            <p:ph type="title"/>
-          </p:nvPr>
-        </p:nvSpPr>
-        <p:spPr/>
-        <p:txBody>
-          <a:bodyPr/>
-          <a:lstStyle/>
-          <a:p>
-            <a:r>
-              <a:rPr lang="es-MX" b="1" dirty="0">
-                <a:solidFill>
-                  <a:srgbClr val="16212F"/>
-                </a:solidFill>
-                <a:effectLst/>
-              </a:rPr>
-              <a:t>¿qué es la conectividad </a:t>
-            </a:r>
-            <a:r>
-              <a:rPr lang="es-MX" dirty="0">
-                <a:solidFill>
-                  <a:srgbClr val="000000"/>
-                </a:solidFill>
-                <a:effectLst/>
-              </a:rPr>
-              <a:t>API-Led</a:t>
-            </a:r>
-            <a:r>
-              <a:rPr lang="es-MX" b="1" dirty="0">
-                <a:solidFill>
-                  <a:srgbClr val="16212F"/>
-                </a:solidFill>
-                <a:effectLst/>
-              </a:rPr>
-              <a:t>?</a:t>
-            </a:r>
-            <a:br>
-              <a:rPr lang="es-MX" dirty="0"/>
-            </a:br>
-            <a:endParaRPr lang="es-MX" dirty="0"/>
-          </a:p>
-        </p:txBody>
-      </p:sp>
-      <p:sp>
-        <p:nvSpPr>
-          <p:cNvPr id="3" name="Marcador de contenido 2">
-            <a:extLst>
-              <a:ext uri="{FF2B5EF4-FFF2-40B4-BE49-F238E27FC236}">
-                <a16:creationId xmlns:a16="http://schemas.microsoft.com/office/drawing/2014/main" id="{D70C8158-0B96-442C-A94C-6BA172E19AE0}"/>
-              </a:ext>
-            </a:extLst>
-          </p:cNvPr>
-          <p:cNvSpPr>
-            <a:spLocks noGrp="1"/>
-          </p:cNvSpPr>
-          <p:nvPr>
-            <p:ph idx="1"/>
-          </p:nvPr>
-        </p:nvSpPr>
-        <p:spPr>
-          <a:xfrm>
-            <a:off x="72888" y="1027905"/>
-            <a:ext cx="12192000" cy="962819"/>
-          </a:xfrm>
-          <a:solidFill>
-            <a:srgbClr val="0070C0"/>
-          </a:solidFill>
-        </p:spPr>
-        <p:txBody>
-          <a:bodyPr>
-            <a:normAutofit/>
-          </a:bodyPr>
-          <a:lstStyle/>
-          <a:p>
-            <a:pPr marL="0" indent="0">
-              <a:buNone/>
-            </a:pPr>
-            <a:r>
-              <a:rPr lang="es-MX" dirty="0">
-                <a:solidFill>
-                  <a:srgbClr val="FFFF00"/>
-                </a:solidFill>
-                <a:effectLst/>
-              </a:rPr>
-              <a:t>El objetivo principal de la conectividad API-Led es habilitar la integración de flujos para ser reutilizados por la plataforma de integración, agentes internos o externos. </a:t>
-            </a:r>
-            <a:endParaRPr lang="es-MX" dirty="0">
-              <a:solidFill>
-                <a:srgbClr val="FFFF00"/>
-              </a:solidFill>
-            </a:endParaRPr>
-          </a:p>
-        </p:txBody>
-      </p:sp>
     </p:spTree>
     <p:extLst>
       <p:ext uri="{BB962C8B-B14F-4D97-AF65-F5344CB8AC3E}">
@@ -7900,10 +8502,10 @@
       </p:sp>
       <p:pic>
         <p:nvPicPr>
-          <p:cNvPr id="5" name="Imagen 4">
-            <a:extLst>
-              <a:ext uri="{FF2B5EF4-FFF2-40B4-BE49-F238E27FC236}">
-                <a16:creationId xmlns:a16="http://schemas.microsoft.com/office/drawing/2014/main" id="{FCA01138-C1BD-4E38-9218-5CC710792140}"/>
+          <p:cNvPr id="6" name="Imagen 5">
+            <a:extLst>
+              <a:ext uri="{FF2B5EF4-FFF2-40B4-BE49-F238E27FC236}">
+                <a16:creationId xmlns:a16="http://schemas.microsoft.com/office/drawing/2014/main" id="{3921A13A-9DAD-4202-8360-8FAA2ACA8A73}"/>
               </a:ext>
             </a:extLst>
           </p:cNvPr>
@@ -7920,8 +8522,8 @@
         </p:blipFill>
         <p:spPr>
           <a:xfrm>
-            <a:off x="2569669" y="1310323"/>
-            <a:ext cx="7052662" cy="2982890"/>
+            <a:off x="2571750" y="1152525"/>
+            <a:ext cx="7048500" cy="2971800"/>
           </a:xfrm>
           <a:prstGeom prst="rect">
             <a:avLst/>
@@ -8074,12 +8676,6 @@
             </a:pPr>
             <a:r>
               <a:rPr lang="es-MX" sz="2400" b="1" dirty="0">
-                <a:solidFill>
-                  <a:schemeClr val="accent6">
-                    <a:lumMod val="60000"/>
-                    <a:lumOff val="40000"/>
-                  </a:schemeClr>
-                </a:solidFill>
                 <a:effectLst/>
                 <a:latin typeface="Arial" panose="020B0604020202020204" pitchFamily="34" charset="0"/>
                 <a:cs typeface="Arial" panose="020B0604020202020204" pitchFamily="34" charset="0"/>
@@ -8088,9 +8684,6 @@
             </a:r>
             <a:r>
               <a:rPr lang="es-MX" sz="2400" dirty="0">
-                <a:solidFill>
-                  <a:srgbClr val="000000"/>
-                </a:solidFill>
                 <a:effectLst/>
                 <a:latin typeface="Arial" panose="020B0604020202020204" pitchFamily="34" charset="0"/>
                 <a:cs typeface="Arial" panose="020B0604020202020204" pitchFamily="34" charset="0"/>
@@ -8144,12 +8737,6 @@
             </a:pPr>
             <a:r>
               <a:rPr lang="es-MX" sz="2400" b="1" dirty="0">
-                <a:solidFill>
-                  <a:schemeClr val="accent6">
-                    <a:lumMod val="60000"/>
-                    <a:lumOff val="40000"/>
-                  </a:schemeClr>
-                </a:solidFill>
                 <a:effectLst/>
                 <a:latin typeface="Arial" panose="020B0604020202020204" pitchFamily="34" charset="0"/>
                 <a:cs typeface="Arial" panose="020B0604020202020204" pitchFamily="34" charset="0"/>
@@ -8158,9 +8745,6 @@
             </a:r>
             <a:r>
               <a:rPr lang="es-MX" sz="2400" dirty="0">
-                <a:solidFill>
-                  <a:srgbClr val="000000"/>
-                </a:solidFill>
                 <a:effectLst/>
                 <a:latin typeface="Arial" panose="020B0604020202020204" pitchFamily="34" charset="0"/>
                 <a:cs typeface="Arial" panose="020B0604020202020204" pitchFamily="34" charset="0"/>
@@ -8207,11 +8791,6 @@
             </a:pPr>
             <a:r>
               <a:rPr lang="es-MX" sz="2400" b="1" dirty="0">
-                <a:solidFill>
-                  <a:schemeClr val="accent1">
-                    <a:lumMod val="50000"/>
-                  </a:schemeClr>
-                </a:solidFill>
                 <a:effectLst/>
                 <a:latin typeface="Arial" panose="020B0604020202020204" pitchFamily="34" charset="0"/>
                 <a:cs typeface="Arial" panose="020B0604020202020204" pitchFamily="34" charset="0"/>
@@ -8220,27 +8799,11 @@
             </a:r>
             <a:r>
               <a:rPr lang="es-MX" sz="2400" dirty="0">
-                <a:solidFill>
-                  <a:schemeClr val="accent1">
-                    <a:lumMod val="50000"/>
-                  </a:schemeClr>
-                </a:solidFill>
                 <a:effectLst/>
                 <a:latin typeface="Arial" panose="020B0604020202020204" pitchFamily="34" charset="0"/>
                 <a:cs typeface="Arial" panose="020B0604020202020204" pitchFamily="34" charset="0"/>
               </a:rPr>
-              <a:t> </a:t>
-            </a:r>
-            <a:r>
-              <a:rPr lang="es-MX" sz="2400" dirty="0">
-                <a:solidFill>
-                  <a:srgbClr val="000000"/>
-                </a:solidFill>
-                <a:effectLst/>
-                <a:latin typeface="Arial" panose="020B0604020202020204" pitchFamily="34" charset="0"/>
-                <a:cs typeface="Arial" panose="020B0604020202020204" pitchFamily="34" charset="0"/>
-              </a:rPr>
-              <a:t>Permite a un alumno inscribirse a un curso con la clave del curso y la matricula del alumno en el cuerpo</a:t>
+              <a:t> Permite a un alumno inscribirse a un curso con la clave del curso y la matricula del alumno en el cuerpo</a:t>
             </a:r>
             <a:endParaRPr lang="es-MX" sz="2400" dirty="0">
               <a:latin typeface="Arial" panose="020B0604020202020204" pitchFamily="34" charset="0"/>
@@ -8253,9 +8816,6 @@
             </a:pPr>
             <a:r>
               <a:rPr lang="es-MX" sz="2400" b="1" dirty="0">
-                <a:solidFill>
-                  <a:srgbClr val="FF0000"/>
-                </a:solidFill>
                 <a:effectLst/>
                 <a:latin typeface="Arial" panose="020B0604020202020204" pitchFamily="34" charset="0"/>
                 <a:cs typeface="Arial" panose="020B0604020202020204" pitchFamily="34" charset="0"/>
@@ -8264,25 +8824,11 @@
             </a:r>
             <a:r>
               <a:rPr lang="es-MX" sz="2400" dirty="0">
-                <a:solidFill>
-                  <a:srgbClr val="FF0000"/>
-                </a:solidFill>
                 <a:effectLst/>
                 <a:latin typeface="Arial" panose="020B0604020202020204" pitchFamily="34" charset="0"/>
                 <a:cs typeface="Arial" panose="020B0604020202020204" pitchFamily="34" charset="0"/>
               </a:rPr>
-              <a:t> </a:t>
-            </a:r>
-            <a:r>
-              <a:rPr lang="es-MX" sz="2400" dirty="0">
-                <a:solidFill>
-                  <a:srgbClr val="000000"/>
-                </a:solidFill>
-                <a:effectLst/>
-                <a:latin typeface="Arial" panose="020B0604020202020204" pitchFamily="34" charset="0"/>
-                <a:cs typeface="Arial" panose="020B0604020202020204" pitchFamily="34" charset="0"/>
-              </a:rPr>
-              <a:t>Permite dar de baja a un alumno de un curso con la clave del curso y la matricula del alumno en el cuerpo</a:t>
+              <a:t> Permite dar de baja a un alumno de un curso con la clave del curso y la matricula del alumno en el cuerpo</a:t>
             </a:r>
             <a:endParaRPr lang="es-MX" sz="2400" dirty="0">
               <a:latin typeface="Arial" panose="020B0604020202020204" pitchFamily="34" charset="0"/>
@@ -8326,10 +8872,10 @@
       </p:grpSpPr>
       <p:pic>
         <p:nvPicPr>
-          <p:cNvPr id="6" name="Imagen 5">
-            <a:extLst>
-              <a:ext uri="{FF2B5EF4-FFF2-40B4-BE49-F238E27FC236}">
-                <a16:creationId xmlns:a16="http://schemas.microsoft.com/office/drawing/2014/main" id="{7F259348-3F3D-4627-8D1F-06F8D0BE79D4}"/>
+          <p:cNvPr id="8" name="Imagen 7">
+            <a:extLst>
+              <a:ext uri="{FF2B5EF4-FFF2-40B4-BE49-F238E27FC236}">
+                <a16:creationId xmlns:a16="http://schemas.microsoft.com/office/drawing/2014/main" id="{3E36568C-7AB1-4835-925B-14799D2A5E1D}"/>
               </a:ext>
             </a:extLst>
           </p:cNvPr>
@@ -8346,8 +8892,8 @@
         </p:blipFill>
         <p:spPr>
           <a:xfrm>
-            <a:off x="1047749" y="1188213"/>
-            <a:ext cx="10515599" cy="5681816"/>
+            <a:off x="1285875" y="1247775"/>
+            <a:ext cx="10439400" cy="5610225"/>
           </a:xfrm>
           <a:prstGeom prst="rect">
             <a:avLst/>

--- a/INSTITUTO POLITÉCNICO NACIONAL.pptx
+++ b/INSTITUTO POLITÉCNICO NACIONAL.pptx
@@ -274,7 +274,7 @@
           <a:p>
             <a:fld id="{3A02FAB3-715B-4700-96CD-5E0B1F22FD83}" type="datetimeFigureOut">
               <a:rPr lang="es-MX" smtClean="0"/>
-              <a:t>09/01/2021</a:t>
+              <a:t>26/02/2021</a:t>
             </a:fld>
             <a:endParaRPr lang="es-MX"/>
           </a:p>
@@ -474,7 +474,7 @@
           <a:p>
             <a:fld id="{3A02FAB3-715B-4700-96CD-5E0B1F22FD83}" type="datetimeFigureOut">
               <a:rPr lang="es-MX" smtClean="0"/>
-              <a:t>09/01/2021</a:t>
+              <a:t>26/02/2021</a:t>
             </a:fld>
             <a:endParaRPr lang="es-MX"/>
           </a:p>
@@ -684,7 +684,7 @@
           <a:p>
             <a:fld id="{3A02FAB3-715B-4700-96CD-5E0B1F22FD83}" type="datetimeFigureOut">
               <a:rPr lang="es-MX" smtClean="0"/>
-              <a:t>09/01/2021</a:t>
+              <a:t>26/02/2021</a:t>
             </a:fld>
             <a:endParaRPr lang="es-MX"/>
           </a:p>
@@ -884,7 +884,7 @@
           <a:p>
             <a:fld id="{3A02FAB3-715B-4700-96CD-5E0B1F22FD83}" type="datetimeFigureOut">
               <a:rPr lang="es-MX" smtClean="0"/>
-              <a:t>09/01/2021</a:t>
+              <a:t>26/02/2021</a:t>
             </a:fld>
             <a:endParaRPr lang="es-MX"/>
           </a:p>
@@ -1160,7 +1160,7 @@
           <a:p>
             <a:fld id="{3A02FAB3-715B-4700-96CD-5E0B1F22FD83}" type="datetimeFigureOut">
               <a:rPr lang="es-MX" smtClean="0"/>
-              <a:t>09/01/2021</a:t>
+              <a:t>26/02/2021</a:t>
             </a:fld>
             <a:endParaRPr lang="es-MX"/>
           </a:p>
@@ -1428,7 +1428,7 @@
           <a:p>
             <a:fld id="{3A02FAB3-715B-4700-96CD-5E0B1F22FD83}" type="datetimeFigureOut">
               <a:rPr lang="es-MX" smtClean="0"/>
-              <a:t>09/01/2021</a:t>
+              <a:t>26/02/2021</a:t>
             </a:fld>
             <a:endParaRPr lang="es-MX"/>
           </a:p>
@@ -1843,7 +1843,7 @@
           <a:p>
             <a:fld id="{3A02FAB3-715B-4700-96CD-5E0B1F22FD83}" type="datetimeFigureOut">
               <a:rPr lang="es-MX" smtClean="0"/>
-              <a:t>09/01/2021</a:t>
+              <a:t>26/02/2021</a:t>
             </a:fld>
             <a:endParaRPr lang="es-MX"/>
           </a:p>
@@ -1985,7 +1985,7 @@
           <a:p>
             <a:fld id="{3A02FAB3-715B-4700-96CD-5E0B1F22FD83}" type="datetimeFigureOut">
               <a:rPr lang="es-MX" smtClean="0"/>
-              <a:t>09/01/2021</a:t>
+              <a:t>26/02/2021</a:t>
             </a:fld>
             <a:endParaRPr lang="es-MX"/>
           </a:p>
@@ -2098,7 +2098,7 @@
           <a:p>
             <a:fld id="{3A02FAB3-715B-4700-96CD-5E0B1F22FD83}" type="datetimeFigureOut">
               <a:rPr lang="es-MX" smtClean="0"/>
-              <a:t>09/01/2021</a:t>
+              <a:t>26/02/2021</a:t>
             </a:fld>
             <a:endParaRPr lang="es-MX"/>
           </a:p>
@@ -2411,7 +2411,7 @@
           <a:p>
             <a:fld id="{3A02FAB3-715B-4700-96CD-5E0B1F22FD83}" type="datetimeFigureOut">
               <a:rPr lang="es-MX" smtClean="0"/>
-              <a:t>09/01/2021</a:t>
+              <a:t>26/02/2021</a:t>
             </a:fld>
             <a:endParaRPr lang="es-MX"/>
           </a:p>
@@ -2700,7 +2700,7 @@
           <a:p>
             <a:fld id="{3A02FAB3-715B-4700-96CD-5E0B1F22FD83}" type="datetimeFigureOut">
               <a:rPr lang="es-MX" smtClean="0"/>
-              <a:t>09/01/2021</a:t>
+              <a:t>26/02/2021</a:t>
             </a:fld>
             <a:endParaRPr lang="es-MX"/>
           </a:p>
@@ -2949,7 +2949,7 @@
           <a:p>
             <a:fld id="{3A02FAB3-715B-4700-96CD-5E0B1F22FD83}" type="datetimeFigureOut">
               <a:rPr lang="es-MX" smtClean="0"/>
-              <a:t>09/01/2021</a:t>
+              <a:t>26/02/2021</a:t>
             </a:fld>
             <a:endParaRPr lang="es-MX"/>
           </a:p>
@@ -3442,7 +3442,7 @@
                 <a:latin typeface="Arial" panose="020B0604020202020204" pitchFamily="34" charset="0"/>
                 <a:ea typeface="Calibri" panose="020F0502020204030204" pitchFamily="34" charset="0"/>
               </a:rPr>
-              <a:t>SISTEMA DE GESTIÓN ESCOLAR QUE PERMITA LA ADMINISTRACIÓN DE PERSONAL DOCENTE Y ESTUDIANTIL PERSONAL ADMINISTRATIVO DENTRO DE UNA INSTITUCIÓN ACADÉMICA DE MANERA REMOTA</a:t>
+              <a:t>SISTEMA DE GESTIÓN ESCOLAR QUE PERMITA LA ADMINISTRACIÓN DE PERSONAL DOCENTE, ADMINISTRATIVO Y ESTUDIANTIL DENTRO DE UNA INSTITUCIÓN ACADÉMICA DE MANERA REMOTA</a:t>
             </a:r>
             <a:endParaRPr lang="es-MX" sz="3200" i="1" dirty="0"/>
           </a:p>
@@ -3645,7 +3645,7 @@
         <p:spPr>
           <a:xfrm>
             <a:off x="3484484" y="5160799"/>
-            <a:ext cx="5734975" cy="1754326"/>
+            <a:ext cx="5734975" cy="1477328"/>
           </a:xfrm>
           <a:prstGeom prst="rect">
             <a:avLst/>
@@ -3657,12 +3657,6 @@
             <a:spAutoFit/>
           </a:bodyPr>
           <a:lstStyle/>
-          <a:p>
-            <a:r>
-              <a:rPr lang="es-MX" dirty="0"/>
-              <a:t>Integrante</a:t>
-            </a:r>
-          </a:p>
           <a:p>
             <a:endParaRPr lang="es-MX" dirty="0"/>
           </a:p>
@@ -3955,7 +3949,7 @@
                 <a:latin typeface="Arial" panose="020B0604020202020204" pitchFamily="34" charset="0"/>
                 <a:cs typeface="Arial" panose="020B0604020202020204" pitchFamily="34" charset="0"/>
               </a:rPr>
-              <a:t>El objetivo de un Diccionario de Datos es marcar reglas de sintaxis, nomenclaturas, y documentar a lo largo del desarrollo o proyecto. Ayudan a  tener un mejor control de la información que entra/sale de la API REST, bajo reglas que a la institución le interesa mantener.</a:t>
+              <a:t>El objetivo de un Diccionario de datos es marcar reglas de sintaxis, nomenclaturas, y documentar a lo largo del desarrollo o proyecto. Ayudan a  tener un mejor control de la información que entra/sale de la API REST, bajo reglas que a la institución le interesa mantener.</a:t>
             </a:r>
             <a:endParaRPr lang="es-MX" sz="2400" dirty="0">
               <a:latin typeface="Arial" panose="020B0604020202020204" pitchFamily="34" charset="0"/>
@@ -6126,7 +6120,7 @@
                 <a:latin typeface="Arial" panose="020B0604020202020204" pitchFamily="34" charset="0"/>
                 <a:cs typeface="Arial" panose="020B0604020202020204" pitchFamily="34" charset="0"/>
               </a:rPr>
-              <a:t>HERRAMIENTAS DE SOFTWARE Y TECNOLOGIAS</a:t>
+              <a:t>HERRAMIENTAS DE SOFTWARE Y TECNOLOGÍAS</a:t>
             </a:r>
             <a:br>
               <a:rPr lang="es-MX" sz="3200" dirty="0">
